--- a/presentation.pptx
+++ b/presentation.pptx
@@ -14,12 +14,13 @@
     <p:sldId id="261" r:id="rId8"/>
     <p:sldId id="262" r:id="rId9"/>
     <p:sldId id="264" r:id="rId10"/>
-    <p:sldId id="268" r:id="rId11"/>
-    <p:sldId id="265" r:id="rId12"/>
-    <p:sldId id="266" r:id="rId13"/>
-    <p:sldId id="267" r:id="rId14"/>
-    <p:sldId id="269" r:id="rId15"/>
-    <p:sldId id="270" r:id="rId16"/>
+    <p:sldId id="272" r:id="rId11"/>
+    <p:sldId id="268" r:id="rId12"/>
+    <p:sldId id="265" r:id="rId13"/>
+    <p:sldId id="266" r:id="rId14"/>
+    <p:sldId id="267" r:id="rId15"/>
+    <p:sldId id="269" r:id="rId16"/>
+    <p:sldId id="270" r:id="rId17"/>
   </p:sldIdLst>
   <p:sldSz cx="12192000" cy="6858000"/>
   <p:notesSz cx="6858000" cy="9144000"/>
@@ -3858,7 +3859,6 @@
               <a:rPr lang="en-US" dirty="0"/>
               <a:t>AWS Elastic Beanstalk | Automatic Development</a:t>
             </a:r>
-            <a:endParaRPr lang="en-US" dirty="0"/>
           </a:p>
         </p:txBody>
       </p:sp>
@@ -3952,13 +3952,8 @@
           <a:p>
             <a:r>
               <a:rPr lang="en-US" dirty="0"/>
-              <a:t>Under the hood </a:t>
-            </a:r>
-            <a:r>
-              <a:rPr lang="en-US" dirty="0" err="1"/>
-              <a:t>cloudformation</a:t>
-            </a:r>
-            <a:endParaRPr lang="en-US" dirty="0"/>
+              <a:t>Web Vs Worker</a:t>
+            </a:r>
           </a:p>
         </p:txBody>
       </p:sp>
@@ -3977,59 +3972,50 @@
           <a:bodyPr/>
           <a:lstStyle/>
           <a:p>
-            <a:r>
-              <a:rPr lang="en-US" dirty="0"/>
-              <a:t>Template in .</a:t>
-            </a:r>
-            <a:r>
-              <a:rPr lang="en-US" dirty="0" err="1"/>
-              <a:t>json</a:t>
-            </a:r>
-            <a:r>
-              <a:rPr lang="en-US" dirty="0"/>
-              <a:t> to </a:t>
-            </a:r>
-            <a:r>
-              <a:rPr lang="en-US" dirty="0" err="1"/>
-              <a:t>yaml</a:t>
-            </a:r>
-            <a:r>
-              <a:rPr lang="en-US" dirty="0"/>
-              <a:t> </a:t>
-            </a:r>
-          </a:p>
-          <a:p>
-            <a:r>
-              <a:rPr lang="en-US" dirty="0"/>
-              <a:t>Template is ran which creates a stack of </a:t>
-            </a:r>
-            <a:r>
-              <a:rPr lang="en-US" dirty="0" err="1"/>
-              <a:t>aws</a:t>
-            </a:r>
-            <a:r>
-              <a:rPr lang="en-US" dirty="0"/>
-              <a:t> resources</a:t>
-            </a:r>
-          </a:p>
-          <a:p>
-            <a:r>
-              <a:rPr lang="en-US" dirty="0"/>
-              <a:t>Whole stack can be deleted or easily re-created in another availability zone</a:t>
-            </a:r>
-          </a:p>
-          <a:p>
-            <a:r>
-              <a:rPr lang="en-US" dirty="0"/>
-              <a:t>https://aws.amazon.com/cloudformation/</a:t>
-            </a:r>
-          </a:p>
-        </p:txBody>
-      </p:sp>
+            <a:endParaRPr lang="en-US" dirty="0"/>
+          </a:p>
+          <a:p>
+            <a:r>
+              <a:rPr lang="en-US" dirty="0">
+                <a:hlinkClick r:id="rId2"/>
+              </a:rPr>
+              <a:t>https://docs.aws.amazon.com/elasticbeanstalk/latest/dg/using-features-managing-env-tiers.html</a:t>
+            </a:r>
+            <a:endParaRPr lang="en-US" dirty="0"/>
+          </a:p>
+          <a:p>
+            <a:endParaRPr lang="en-US" dirty="0"/>
+          </a:p>
+        </p:txBody>
+      </p:sp>
+      <p:pic>
+        <p:nvPicPr>
+          <p:cNvPr id="4" name="Picture 3"/>
+          <p:cNvPicPr>
+            <a:picLocks noChangeAspect="1"/>
+          </p:cNvPicPr>
+          <p:nvPr/>
+        </p:nvPicPr>
+        <p:blipFill>
+          <a:blip r:embed="rId3"/>
+          <a:stretch>
+            <a:fillRect/>
+          </a:stretch>
+        </p:blipFill>
+        <p:spPr>
+          <a:xfrm>
+            <a:off x="1005818" y="4306418"/>
+            <a:ext cx="9942857" cy="3104762"/>
+          </a:xfrm>
+          <a:prstGeom prst="rect">
+            <a:avLst/>
+          </a:prstGeom>
+        </p:spPr>
+      </p:pic>
     </p:spTree>
     <p:extLst>
       <p:ext uri="{BB962C8B-B14F-4D97-AF65-F5344CB8AC3E}">
-        <p14:creationId xmlns:p14="http://schemas.microsoft.com/office/powerpoint/2010/main" val="1627049321"/>
+        <p14:creationId xmlns:p14="http://schemas.microsoft.com/office/powerpoint/2010/main" val="1218243560"/>
       </p:ext>
     </p:extLst>
   </p:cSld>
@@ -4073,11 +4059,12 @@
           <a:p>
             <a:r>
               <a:rPr lang="en-US" dirty="0"/>
-              <a:t>scenario one quick deploy</a:t>
-            </a:r>
-            <a:br>
-              <a:rPr lang="en-US" dirty="0"/>
-            </a:br>
+              <a:t>Under the hood </a:t>
+            </a:r>
+            <a:r>
+              <a:rPr lang="en-US" dirty="0" err="1"/>
+              <a:t>cloudformation</a:t>
+            </a:r>
             <a:endParaRPr lang="en-US" dirty="0"/>
           </a:p>
         </p:txBody>
@@ -4099,18 +4086,57 @@
           <a:p>
             <a:r>
               <a:rPr lang="en-US" dirty="0"/>
-              <a:t>Scenario one quick deploy</a:t>
-            </a:r>
-          </a:p>
-          <a:p>
-            <a:endParaRPr lang="en-US" dirty="0"/>
+              <a:t>Template in .</a:t>
+            </a:r>
+            <a:r>
+              <a:rPr lang="en-US" dirty="0" err="1"/>
+              <a:t>json</a:t>
+            </a:r>
+            <a:r>
+              <a:rPr lang="en-US" dirty="0"/>
+              <a:t> to </a:t>
+            </a:r>
+            <a:r>
+              <a:rPr lang="en-US" dirty="0" err="1"/>
+              <a:t>yaml</a:t>
+            </a:r>
+            <a:r>
+              <a:rPr lang="en-US" dirty="0"/>
+              <a:t> </a:t>
+            </a:r>
+          </a:p>
+          <a:p>
+            <a:r>
+              <a:rPr lang="en-US" dirty="0"/>
+              <a:t>Template is ran which creates a stack of </a:t>
+            </a:r>
+            <a:r>
+              <a:rPr lang="en-US" dirty="0" err="1"/>
+              <a:t>aws</a:t>
+            </a:r>
+            <a:r>
+              <a:rPr lang="en-US" dirty="0"/>
+              <a:t> resources</a:t>
+            </a:r>
+          </a:p>
+          <a:p>
+            <a:r>
+              <a:rPr lang="en-US" dirty="0"/>
+              <a:t>Whole stack can be deleted or easily re-created in another availability zone</a:t>
+            </a:r>
+          </a:p>
+          <a:p>
+            <a:r>
+              <a:rPr lang="en-US" dirty="0"/>
+              <a:t>https://aws.amazon.com/cloudformation/</a:t>
+            </a:r>
           </a:p>
         </p:txBody>
       </p:sp>
     </p:spTree>
     <p:extLst>
       <p:ext uri="{BB962C8B-B14F-4D97-AF65-F5344CB8AC3E}">
-        <p14:creationId xmlns:p14="http://schemas.microsoft.com/office/powerpoint/2010/main" val="2152174942"/>
+        <p14:creationId xmlns:p14="http://schemas.microsoft.com/office/powerpoint/2010/main" val="1627049321"/>
       </p:ext>
     </p:extLst>
   </p:cSld>
@@ -4154,8 +4180,12 @@
           <a:p>
             <a:r>
               <a:rPr lang="en-US" dirty="0"/>
-              <a:t>scenario  two High Availability \ Custom</a:t>
-            </a:r>
+              <a:t>scenario one quick deploy</a:t>
+            </a:r>
+            <a:br>
+              <a:rPr lang="en-US" dirty="0"/>
+            </a:br>
+            <a:endParaRPr lang="en-US" dirty="0"/>
           </a:p>
         </p:txBody>
       </p:sp>
@@ -4176,13 +4206,7 @@
           <a:p>
             <a:r>
               <a:rPr lang="en-US" dirty="0"/>
-              <a:t>Scenario two High Availability \ Custom</a:t>
-            </a:r>
-          </a:p>
-          <a:p>
-            <a:r>
-              <a:rPr lang="en-US" dirty="0"/>
-              <a:t>High availability refers to systems that are durable and likely to operate continuously without failure for a long time. The term implies that parts of a system have been fully tested and, in many cases, that there are accommodations for failure in the form of redundant components.</a:t>
+              <a:t>Scenario one quick deploy</a:t>
             </a:r>
           </a:p>
           <a:p>
@@ -4193,7 +4217,7 @@
     </p:spTree>
     <p:extLst>
       <p:ext uri="{BB962C8B-B14F-4D97-AF65-F5344CB8AC3E}">
-        <p14:creationId xmlns:p14="http://schemas.microsoft.com/office/powerpoint/2010/main" val="204430570"/>
+        <p14:creationId xmlns:p14="http://schemas.microsoft.com/office/powerpoint/2010/main" val="2152174942"/>
       </p:ext>
     </p:extLst>
   </p:cSld>
@@ -4237,7 +4261,7 @@
           <a:p>
             <a:r>
               <a:rPr lang="en-US" dirty="0"/>
-              <a:t>scenario  three IDE Visual Studio</a:t>
+              <a:t>scenario  two High Availability \ Custom</a:t>
             </a:r>
           </a:p>
         </p:txBody>
@@ -4259,43 +4283,20 @@
           <a:p>
             <a:r>
               <a:rPr lang="en-US" dirty="0"/>
-              <a:t>Scenario  three IDE Visual Studio</a:t>
-            </a:r>
-          </a:p>
-          <a:p>
-            <a:r>
-              <a:rPr lang="en-US" u="sng" dirty="0">
-                <a:hlinkClick r:id="rId2"/>
-              </a:rPr>
-              <a:t>https://aws.amazon.com/blogs/aws/aws-beanstalk-eclipse-integration/</a:t>
-            </a:r>
-            <a:endParaRPr lang="en-US" dirty="0"/>
-          </a:p>
-          <a:p>
-            <a:r>
-              <a:rPr lang="en-US" u="sng" dirty="0">
-                <a:hlinkClick r:id="rId3"/>
-              </a:rPr>
-              <a:t>https://docs.aws.amazon.com/elasticbeanstalk/latest/dg/create_deploy_NET.html</a:t>
-            </a:r>
-            <a:r>
-              <a:rPr lang="en-US" dirty="0"/>
-              <a:t> </a:t>
-            </a:r>
-          </a:p>
-          <a:p>
-            <a:r>
-              <a:rPr lang="en-US" u="sng" dirty="0">
-                <a:hlinkClick r:id="rId4"/>
-              </a:rPr>
-              <a:t>https://docs.aws.amazon.com/elasticbeanstalk/latest/dg/tutorials.html</a:t>
-            </a:r>
-            <a:endParaRPr lang="en-US" dirty="0"/>
-          </a:p>
-          <a:p>
-            <a:pPr marL="0" indent="0">
-              <a:buNone/>
-            </a:pPr>
+              <a:t>Scenario two High Availability \ Custom</a:t>
+            </a:r>
+          </a:p>
+          <a:p>
+            <a:r>
+              <a:rPr lang="en-US" dirty="0"/>
+              <a:t>High availability refers to systems that are durable and likely to operate continuously without failure for a long time. The term implies that parts of a system have been fully tested and, in many cases, that there are accommodations for failure in the form of redundant components.</a:t>
+            </a:r>
+          </a:p>
+          <a:p>
+            <a:r>
+              <a:rPr lang="en-US" dirty="0"/>
+              <a:t>https://docs.aws.amazon.com/quickstarts/latest/webapp/expanding-environments.html?icmpid=docs_eb_console_new#expanding-environments-rds</a:t>
+            </a:r>
             <a:endParaRPr lang="en-US" dirty="0"/>
           </a:p>
           <a:p>
@@ -4306,7 +4307,7 @@
     </p:spTree>
     <p:extLst>
       <p:ext uri="{BB962C8B-B14F-4D97-AF65-F5344CB8AC3E}">
-        <p14:creationId xmlns:p14="http://schemas.microsoft.com/office/powerpoint/2010/main" val="1520083674"/>
+        <p14:creationId xmlns:p14="http://schemas.microsoft.com/office/powerpoint/2010/main" val="204430570"/>
       </p:ext>
     </p:extLst>
   </p:cSld>
@@ -4350,6 +4351,119 @@
           <a:p>
             <a:r>
               <a:rPr lang="en-US" dirty="0"/>
+              <a:t>scenario  three IDE Visual Studio</a:t>
+            </a:r>
+          </a:p>
+        </p:txBody>
+      </p:sp>
+      <p:sp>
+        <p:nvSpPr>
+          <p:cNvPr id="3" name="Content Placeholder 2"/>
+          <p:cNvSpPr>
+            <a:spLocks noGrp="1"/>
+          </p:cNvSpPr>
+          <p:nvPr>
+            <p:ph idx="1"/>
+          </p:nvPr>
+        </p:nvSpPr>
+        <p:spPr/>
+        <p:txBody>
+          <a:bodyPr/>
+          <a:lstStyle/>
+          <a:p>
+            <a:r>
+              <a:rPr lang="en-US" dirty="0"/>
+              <a:t>Scenario  three IDE Visual Studio</a:t>
+            </a:r>
+          </a:p>
+          <a:p>
+            <a:r>
+              <a:rPr lang="en-US" u="sng" dirty="0">
+                <a:hlinkClick r:id="rId2"/>
+              </a:rPr>
+              <a:t>https://aws.amazon.com/blogs/aws/aws-beanstalk-eclipse-integration/</a:t>
+            </a:r>
+            <a:endParaRPr lang="en-US" dirty="0"/>
+          </a:p>
+          <a:p>
+            <a:r>
+              <a:rPr lang="en-US" u="sng" dirty="0">
+                <a:hlinkClick r:id="rId3"/>
+              </a:rPr>
+              <a:t>https://docs.aws.amazon.com/elasticbeanstalk/latest/dg/create_deploy_NET.html</a:t>
+            </a:r>
+            <a:r>
+              <a:rPr lang="en-US" dirty="0"/>
+              <a:t> </a:t>
+            </a:r>
+          </a:p>
+          <a:p>
+            <a:r>
+              <a:rPr lang="en-US" u="sng" dirty="0">
+                <a:hlinkClick r:id="rId4"/>
+              </a:rPr>
+              <a:t>https://docs.aws.amazon.com/elasticbeanstalk/latest/dg/tutorials.html</a:t>
+            </a:r>
+            <a:endParaRPr lang="en-US" dirty="0"/>
+          </a:p>
+          <a:p>
+            <a:pPr marL="0" indent="0">
+              <a:buNone/>
+            </a:pPr>
+            <a:endParaRPr lang="en-US" dirty="0"/>
+          </a:p>
+          <a:p>
+            <a:endParaRPr lang="en-US" dirty="0"/>
+          </a:p>
+        </p:txBody>
+      </p:sp>
+    </p:spTree>
+    <p:extLst>
+      <p:ext uri="{BB962C8B-B14F-4D97-AF65-F5344CB8AC3E}">
+        <p14:creationId xmlns:p14="http://schemas.microsoft.com/office/powerpoint/2010/main" val="1520083674"/>
+      </p:ext>
+    </p:extLst>
+  </p:cSld>
+  <p:clrMapOvr>
+    <a:masterClrMapping/>
+  </p:clrMapOvr>
+</p:sld>
+</file>
+
+<file path=ppt/slides/slide15.xml><?xml version="1.0" encoding="utf-8"?>
+<p:sld xmlns:a="http://schemas.openxmlformats.org/drawingml/2006/main" xmlns:r="http://schemas.openxmlformats.org/officeDocument/2006/relationships" xmlns:p="http://schemas.openxmlformats.org/presentationml/2006/main">
+  <p:cSld>
+    <p:spTree>
+      <p:nvGrpSpPr>
+        <p:cNvPr id="1" name=""/>
+        <p:cNvGrpSpPr/>
+        <p:nvPr/>
+      </p:nvGrpSpPr>
+      <p:grpSpPr>
+        <a:xfrm>
+          <a:off x="0" y="0"/>
+          <a:ext cx="0" cy="0"/>
+          <a:chOff x="0" y="0"/>
+          <a:chExt cx="0" cy="0"/>
+        </a:xfrm>
+      </p:grpSpPr>
+      <p:sp>
+        <p:nvSpPr>
+          <p:cNvPr id="2" name="Title 1"/>
+          <p:cNvSpPr>
+            <a:spLocks noGrp="1"/>
+          </p:cNvSpPr>
+          <p:nvPr>
+            <p:ph type="title"/>
+          </p:nvPr>
+        </p:nvSpPr>
+        <p:spPr/>
+        <p:txBody>
+          <a:bodyPr/>
+          <a:lstStyle/>
+          <a:p>
+            <a:r>
+              <a:rPr lang="en-US" dirty="0"/>
               <a:t>Command line Interface</a:t>
             </a:r>
           </a:p>
@@ -4426,7 +4540,7 @@
 </p:sld>
 </file>
 
-<file path=ppt/slides/slide15.xml><?xml version="1.0" encoding="utf-8"?>
+<file path=ppt/slides/slide16.xml><?xml version="1.0" encoding="utf-8"?>
 <p:sld xmlns:a="http://schemas.openxmlformats.org/drawingml/2006/main" xmlns:r="http://schemas.openxmlformats.org/officeDocument/2006/relationships" xmlns:p="http://schemas.openxmlformats.org/presentationml/2006/main">
   <p:cSld>
     <p:spTree>
@@ -4746,7 +4860,7 @@
           <a:p>
             <a:r>
               <a:rPr lang="en-US" dirty="0"/>
-              <a:t>AWS is an orchestration service offered from Amazon Web Services for deploying infrastructure which orchestrates various AWS services, including EC2, S3, Simple Notification Service, </a:t>
+              <a:t>AWS Elastic Beanstalk is an orchestration service offered from Amazon Web Services for deploying infrastructure which orchestrates various AWS services, including EC2, S3, Simple Notification Service, </a:t>
             </a:r>
             <a:r>
               <a:rPr lang="en-US" dirty="0" err="1"/>
@@ -4764,6 +4878,7 @@
               <a:rPr lang="en-US" dirty="0"/>
               <a:t>, and Elastic Load Balancers</a:t>
             </a:r>
+            <a:endParaRPr lang="en-US" dirty="0"/>
           </a:p>
         </p:txBody>
       </p:sp>
@@ -4888,7 +5003,7 @@
           <a:p>
             <a:r>
               <a:rPr lang="en-US" dirty="0"/>
-              <a:t>FAQ and use case for elastic beanstalk</a:t>
+              <a:t>FAQ elastic beanstalk</a:t>
             </a:r>
           </a:p>
         </p:txBody>
@@ -4925,8 +5040,15 @@
           <a:p>
             <a:r>
               <a:rPr lang="en-US" dirty="0"/>
-              <a:t>What are some challenges developers face  ?</a:t>
-            </a:r>
+              <a:t>What are some challenges developers face  ?   </a:t>
+            </a:r>
+            <a:br>
+              <a:rPr lang="en-US" dirty="0"/>
+            </a:br>
+            <a:endParaRPr lang="en-US" dirty="0"/>
+          </a:p>
+          <a:p>
+            <a:endParaRPr lang="en-US" dirty="0"/>
           </a:p>
           <a:p>
             <a:pPr marL="0" indent="0">
@@ -4934,8 +5056,38 @@
             </a:pPr>
             <a:endParaRPr lang="en-US" dirty="0"/>
           </a:p>
-        </p:txBody>
-      </p:sp>
+          <a:p>
+            <a:pPr marL="0" indent="0">
+              <a:buNone/>
+            </a:pPr>
+            <a:endParaRPr lang="en-US" dirty="0"/>
+          </a:p>
+        </p:txBody>
+      </p:sp>
+      <p:pic>
+        <p:nvPicPr>
+          <p:cNvPr id="8" name="Picture 7"/>
+          <p:cNvPicPr>
+            <a:picLocks noChangeAspect="1"/>
+          </p:cNvPicPr>
+          <p:nvPr/>
+        </p:nvPicPr>
+        <p:blipFill>
+          <a:blip r:embed="rId3"/>
+          <a:stretch>
+            <a:fillRect/>
+          </a:stretch>
+        </p:blipFill>
+        <p:spPr>
+          <a:xfrm>
+            <a:off x="5536066" y="3871480"/>
+            <a:ext cx="3209925" cy="3105150"/>
+          </a:xfrm>
+          <a:prstGeom prst="rect">
+            <a:avLst/>
+          </a:prstGeom>
+        </p:spPr>
+      </p:pic>
     </p:spTree>
     <p:extLst>
       <p:ext uri="{BB962C8B-B14F-4D97-AF65-F5344CB8AC3E}">
@@ -4998,9 +5150,16 @@
             <p:ph idx="1"/>
           </p:nvPr>
         </p:nvSpPr>
-        <p:spPr/>
-        <p:txBody>
-          <a:bodyPr/>
+        <p:spPr>
+          <a:xfrm>
+            <a:off x="581192" y="2180496"/>
+            <a:ext cx="11029615" cy="3486657"/>
+          </a:xfrm>
+        </p:spPr>
+        <p:txBody>
+          <a:bodyPr>
+            <a:normAutofit/>
+          </a:bodyPr>
           <a:lstStyle/>
           <a:p>
             <a:r>
@@ -5013,17 +5172,6 @@
               <a:rPr lang="en-US" dirty="0"/>
               <a:t>Control everything in one place</a:t>
             </a:r>
-          </a:p>
-          <a:p>
-            <a:r>
-              <a:rPr lang="en-US" dirty="0"/>
-              <a:t>Easily move you application out of Elastic </a:t>
-            </a:r>
-            <a:r>
-              <a:rPr lang="en-US" dirty="0" err="1"/>
-              <a:t>BeanStalk</a:t>
-            </a:r>
-            <a:endParaRPr lang="en-US" dirty="0"/>
           </a:p>
           <a:p>
             <a:r>

--- a/presentation.pptx
+++ b/presentation.pptx
@@ -7,20 +7,25 @@
   <p:sldIdLst>
     <p:sldId id="271" r:id="rId2"/>
     <p:sldId id="259" r:id="rId3"/>
-    <p:sldId id="257" r:id="rId4"/>
-    <p:sldId id="258" r:id="rId5"/>
-    <p:sldId id="263" r:id="rId6"/>
-    <p:sldId id="260" r:id="rId7"/>
-    <p:sldId id="261" r:id="rId8"/>
-    <p:sldId id="262" r:id="rId9"/>
-    <p:sldId id="264" r:id="rId10"/>
-    <p:sldId id="272" r:id="rId11"/>
-    <p:sldId id="268" r:id="rId12"/>
-    <p:sldId id="265" r:id="rId13"/>
-    <p:sldId id="266" r:id="rId14"/>
-    <p:sldId id="267" r:id="rId15"/>
-    <p:sldId id="269" r:id="rId16"/>
-    <p:sldId id="270" r:id="rId17"/>
+    <p:sldId id="273" r:id="rId4"/>
+    <p:sldId id="257" r:id="rId5"/>
+    <p:sldId id="276" r:id="rId6"/>
+    <p:sldId id="277" r:id="rId7"/>
+    <p:sldId id="258" r:id="rId8"/>
+    <p:sldId id="263" r:id="rId9"/>
+    <p:sldId id="260" r:id="rId10"/>
+    <p:sldId id="261" r:id="rId11"/>
+    <p:sldId id="262" r:id="rId12"/>
+    <p:sldId id="264" r:id="rId13"/>
+    <p:sldId id="272" r:id="rId14"/>
+    <p:sldId id="274" r:id="rId15"/>
+    <p:sldId id="268" r:id="rId16"/>
+    <p:sldId id="275" r:id="rId17"/>
+    <p:sldId id="265" r:id="rId18"/>
+    <p:sldId id="266" r:id="rId19"/>
+    <p:sldId id="267" r:id="rId20"/>
+    <p:sldId id="269" r:id="rId21"/>
+    <p:sldId id="270" r:id="rId22"/>
   </p:sldIdLst>
   <p:sldSz cx="12192000" cy="6858000"/>
   <p:notesSz cx="6858000" cy="9144000"/>
@@ -373,7 +378,7 @@
             <a:fld id="{B61BEF0D-F0BB-DE4B-95CE-6DB70DBA9567}" type="datetimeFigureOut">
               <a:rPr lang="en-US" dirty="0"/>
               <a:pPr/>
-              <a:t>11/8/2018</a:t>
+              <a:t>11/13/2018</a:t>
             </a:fld>
             <a:endParaRPr lang="en-US" dirty="0"/>
           </a:p>
@@ -632,7 +637,7 @@
             <a:fld id="{B61BEF0D-F0BB-DE4B-95CE-6DB70DBA9567}" type="datetimeFigureOut">
               <a:rPr lang="en-US" dirty="0"/>
               <a:pPr/>
-              <a:t>11/8/2018</a:t>
+              <a:t>11/13/2018</a:t>
             </a:fld>
             <a:endParaRPr lang="en-US" dirty="0"/>
           </a:p>
@@ -864,7 +869,7 @@
             <a:fld id="{B61BEF0D-F0BB-DE4B-95CE-6DB70DBA9567}" type="datetimeFigureOut">
               <a:rPr lang="en-US" dirty="0"/>
               <a:pPr/>
-              <a:t>11/8/2018</a:t>
+              <a:t>11/13/2018</a:t>
             </a:fld>
             <a:endParaRPr lang="en-US" dirty="0"/>
           </a:p>
@@ -1101,7 +1106,7 @@
             <a:fld id="{B61BEF0D-F0BB-DE4B-95CE-6DB70DBA9567}" type="datetimeFigureOut">
               <a:rPr lang="en-US" dirty="0"/>
               <a:pPr/>
-              <a:t>11/8/2018</a:t>
+              <a:t>11/13/2018</a:t>
             </a:fld>
             <a:endParaRPr lang="en-US" dirty="0"/>
           </a:p>
@@ -1405,7 +1410,7 @@
             <a:fld id="{B61BEF0D-F0BB-DE4B-95CE-6DB70DBA9567}" type="datetimeFigureOut">
               <a:rPr lang="en-US" dirty="0"/>
               <a:pPr/>
-              <a:t>11/8/2018</a:t>
+              <a:t>11/13/2018</a:t>
             </a:fld>
             <a:endParaRPr lang="en-US" dirty="0"/>
           </a:p>
@@ -1704,7 +1709,7 @@
             <a:fld id="{B61BEF0D-F0BB-DE4B-95CE-6DB70DBA9567}" type="datetimeFigureOut">
               <a:rPr lang="en-US" dirty="0"/>
               <a:pPr/>
-              <a:t>11/8/2018</a:t>
+              <a:t>11/13/2018</a:t>
             </a:fld>
             <a:endParaRPr lang="en-US" dirty="0"/>
           </a:p>
@@ -2123,7 +2128,7 @@
             <a:fld id="{B61BEF0D-F0BB-DE4B-95CE-6DB70DBA9567}" type="datetimeFigureOut">
               <a:rPr lang="en-US" dirty="0"/>
               <a:pPr/>
-              <a:t>11/8/2018</a:t>
+              <a:t>11/13/2018</a:t>
             </a:fld>
             <a:endParaRPr lang="en-US" dirty="0"/>
           </a:p>
@@ -2282,7 +2287,7 @@
             <a:fld id="{B61BEF0D-F0BB-DE4B-95CE-6DB70DBA9567}" type="datetimeFigureOut">
               <a:rPr lang="en-US" dirty="0"/>
               <a:pPr/>
-              <a:t>11/8/2018</a:t>
+              <a:t>11/13/2018</a:t>
             </a:fld>
             <a:endParaRPr lang="en-US" dirty="0"/>
           </a:p>
@@ -2374,7 +2379,7 @@
             <a:fld id="{B61BEF0D-F0BB-DE4B-95CE-6DB70DBA9567}" type="datetimeFigureOut">
               <a:rPr lang="en-US" dirty="0"/>
               <a:pPr/>
-              <a:t>11/8/2018</a:t>
+              <a:t>11/13/2018</a:t>
             </a:fld>
             <a:endParaRPr lang="en-US" dirty="0"/>
           </a:p>
@@ -2749,7 +2754,7 @@
             <a:fld id="{B61BEF0D-F0BB-DE4B-95CE-6DB70DBA9567}" type="datetimeFigureOut">
               <a:rPr lang="en-US" dirty="0"/>
               <a:pPr/>
-              <a:t>11/8/2018</a:t>
+              <a:t>11/13/2018</a:t>
             </a:fld>
             <a:endParaRPr lang="en-US" dirty="0"/>
           </a:p>
@@ -3035,7 +3040,7 @@
             <a:fld id="{B61BEF0D-F0BB-DE4B-95CE-6DB70DBA9567}" type="datetimeFigureOut">
               <a:rPr lang="en-US" dirty="0"/>
               <a:pPr/>
-              <a:t>11/8/2018</a:t>
+              <a:t>11/13/2018</a:t>
             </a:fld>
             <a:endParaRPr lang="en-US" dirty="0"/>
           </a:p>
@@ -3243,7 +3248,7 @@
             <a:fld id="{B61BEF0D-F0BB-DE4B-95CE-6DB70DBA9567}" type="datetimeFigureOut">
               <a:rPr lang="en-US" dirty="0"/>
               <a:pPr/>
-              <a:t>11/8/2018</a:t>
+              <a:t>11/13/2018</a:t>
             </a:fld>
             <a:endParaRPr lang="en-US" dirty="0"/>
           </a:p>
@@ -3952,6 +3957,273 @@
           <a:p>
             <a:r>
               <a:rPr lang="en-US" dirty="0"/>
+              <a:t>Why developers should use elastic beanstalk</a:t>
+            </a:r>
+          </a:p>
+        </p:txBody>
+      </p:sp>
+      <p:sp>
+        <p:nvSpPr>
+          <p:cNvPr id="3" name="Content Placeholder 2"/>
+          <p:cNvSpPr>
+            <a:spLocks noGrp="1"/>
+          </p:cNvSpPr>
+          <p:nvPr>
+            <p:ph idx="1"/>
+          </p:nvPr>
+        </p:nvSpPr>
+        <p:spPr>
+          <a:xfrm>
+            <a:off x="581192" y="2180496"/>
+            <a:ext cx="11029615" cy="3486657"/>
+          </a:xfrm>
+        </p:spPr>
+        <p:txBody>
+          <a:bodyPr>
+            <a:normAutofit/>
+          </a:bodyPr>
+          <a:lstStyle/>
+          <a:p>
+            <a:r>
+              <a:rPr lang="en-US" dirty="0"/>
+              <a:t>Administrator access on your environment</a:t>
+            </a:r>
+          </a:p>
+          <a:p>
+            <a:r>
+              <a:rPr lang="en-US" dirty="0"/>
+              <a:t>Control everything in one place</a:t>
+            </a:r>
+          </a:p>
+          <a:p>
+            <a:r>
+              <a:rPr lang="en-US" dirty="0"/>
+              <a:t>Quicker less complicated deployment</a:t>
+            </a:r>
+          </a:p>
+          <a:p>
+            <a:r>
+              <a:rPr lang="en-US" dirty="0"/>
+              <a:t>Run services side by side with other EC2 instances</a:t>
+            </a:r>
+          </a:p>
+          <a:p>
+            <a:r>
+              <a:rPr lang="en-US" dirty="0"/>
+              <a:t>Ability to use Custom AMIs</a:t>
+            </a:r>
+          </a:p>
+          <a:p>
+            <a:r>
+              <a:rPr lang="en-US" dirty="0"/>
+              <a:t>Easy troubleshooting and log file rotation</a:t>
+            </a:r>
+          </a:p>
+        </p:txBody>
+      </p:sp>
+    </p:spTree>
+    <p:extLst>
+      <p:ext uri="{BB962C8B-B14F-4D97-AF65-F5344CB8AC3E}">
+        <p14:creationId xmlns:p14="http://schemas.microsoft.com/office/powerpoint/2010/main" val="554716683"/>
+      </p:ext>
+    </p:extLst>
+  </p:cSld>
+  <p:clrMapOvr>
+    <a:masterClrMapping/>
+  </p:clrMapOvr>
+</p:sld>
+</file>
+
+<file path=ppt/slides/slide11.xml><?xml version="1.0" encoding="utf-8"?>
+<p:sld xmlns:a="http://schemas.openxmlformats.org/drawingml/2006/main" xmlns:r="http://schemas.openxmlformats.org/officeDocument/2006/relationships" xmlns:p="http://schemas.openxmlformats.org/presentationml/2006/main">
+  <p:cSld>
+    <p:spTree>
+      <p:nvGrpSpPr>
+        <p:cNvPr id="1" name=""/>
+        <p:cNvGrpSpPr/>
+        <p:nvPr/>
+      </p:nvGrpSpPr>
+      <p:grpSpPr>
+        <a:xfrm>
+          <a:off x="0" y="0"/>
+          <a:ext cx="0" cy="0"/>
+          <a:chOff x="0" y="0"/>
+          <a:chExt cx="0" cy="0"/>
+        </a:xfrm>
+      </p:grpSpPr>
+      <p:sp>
+        <p:nvSpPr>
+          <p:cNvPr id="2" name="Title 1"/>
+          <p:cNvSpPr>
+            <a:spLocks noGrp="1"/>
+          </p:cNvSpPr>
+          <p:nvPr>
+            <p:ph type="title"/>
+          </p:nvPr>
+        </p:nvSpPr>
+        <p:spPr/>
+        <p:txBody>
+          <a:bodyPr/>
+          <a:lstStyle/>
+          <a:p>
+            <a:r>
+              <a:rPr lang="en-US" dirty="0"/>
+              <a:t> architecture</a:t>
+            </a:r>
+          </a:p>
+        </p:txBody>
+      </p:sp>
+      <p:pic>
+        <p:nvPicPr>
+          <p:cNvPr id="4" name="Content Placeholder 3"/>
+          <p:cNvPicPr>
+            <a:picLocks noGrp="1" noChangeAspect="1"/>
+          </p:cNvPicPr>
+          <p:nvPr>
+            <p:ph idx="1"/>
+          </p:nvPr>
+        </p:nvPicPr>
+        <p:blipFill>
+          <a:blip r:embed="rId2"/>
+          <a:stretch>
+            <a:fillRect/>
+          </a:stretch>
+        </p:blipFill>
+        <p:spPr>
+          <a:xfrm>
+            <a:off x="1592826" y="2315103"/>
+            <a:ext cx="7291541" cy="3632978"/>
+          </a:xfrm>
+          <a:prstGeom prst="rect">
+            <a:avLst/>
+          </a:prstGeom>
+        </p:spPr>
+      </p:pic>
+    </p:spTree>
+    <p:extLst>
+      <p:ext uri="{BB962C8B-B14F-4D97-AF65-F5344CB8AC3E}">
+        <p14:creationId xmlns:p14="http://schemas.microsoft.com/office/powerpoint/2010/main" val="4283834324"/>
+      </p:ext>
+    </p:extLst>
+  </p:cSld>
+  <p:clrMapOvr>
+    <a:masterClrMapping/>
+  </p:clrMapOvr>
+</p:sld>
+</file>
+
+<file path=ppt/slides/slide12.xml><?xml version="1.0" encoding="utf-8"?>
+<p:sld xmlns:a="http://schemas.openxmlformats.org/drawingml/2006/main" xmlns:r="http://schemas.openxmlformats.org/officeDocument/2006/relationships" xmlns:p="http://schemas.openxmlformats.org/presentationml/2006/main">
+  <p:cSld>
+    <p:spTree>
+      <p:nvGrpSpPr>
+        <p:cNvPr id="1" name=""/>
+        <p:cNvGrpSpPr/>
+        <p:nvPr/>
+      </p:nvGrpSpPr>
+      <p:grpSpPr>
+        <a:xfrm>
+          <a:off x="0" y="0"/>
+          <a:ext cx="0" cy="0"/>
+          <a:chOff x="0" y="0"/>
+          <a:chExt cx="0" cy="0"/>
+        </a:xfrm>
+      </p:grpSpPr>
+      <p:sp>
+        <p:nvSpPr>
+          <p:cNvPr id="2" name="Title 1"/>
+          <p:cNvSpPr>
+            <a:spLocks noGrp="1"/>
+          </p:cNvSpPr>
+          <p:nvPr>
+            <p:ph type="title"/>
+          </p:nvPr>
+        </p:nvSpPr>
+        <p:spPr/>
+        <p:txBody>
+          <a:bodyPr/>
+          <a:lstStyle/>
+          <a:p>
+            <a:r>
+              <a:rPr lang="en-US" dirty="0"/>
+              <a:t>architecture</a:t>
+            </a:r>
+          </a:p>
+        </p:txBody>
+      </p:sp>
+      <p:pic>
+        <p:nvPicPr>
+          <p:cNvPr id="4" name="Content Placeholder 3"/>
+          <p:cNvPicPr>
+            <a:picLocks noGrp="1" noChangeAspect="1"/>
+          </p:cNvPicPr>
+          <p:nvPr>
+            <p:ph idx="1"/>
+          </p:nvPr>
+        </p:nvPicPr>
+        <p:blipFill>
+          <a:blip r:embed="rId2"/>
+          <a:stretch>
+            <a:fillRect/>
+          </a:stretch>
+        </p:blipFill>
+        <p:spPr>
+          <a:xfrm>
+            <a:off x="2064775" y="2624289"/>
+            <a:ext cx="7523828" cy="3229926"/>
+          </a:xfrm>
+          <a:prstGeom prst="rect">
+            <a:avLst/>
+          </a:prstGeom>
+        </p:spPr>
+      </p:pic>
+    </p:spTree>
+    <p:extLst>
+      <p:ext uri="{BB962C8B-B14F-4D97-AF65-F5344CB8AC3E}">
+        <p14:creationId xmlns:p14="http://schemas.microsoft.com/office/powerpoint/2010/main" val="1174234667"/>
+      </p:ext>
+    </p:extLst>
+  </p:cSld>
+  <p:clrMapOvr>
+    <a:masterClrMapping/>
+  </p:clrMapOvr>
+</p:sld>
+</file>
+
+<file path=ppt/slides/slide13.xml><?xml version="1.0" encoding="utf-8"?>
+<p:sld xmlns:a="http://schemas.openxmlformats.org/drawingml/2006/main" xmlns:r="http://schemas.openxmlformats.org/officeDocument/2006/relationships" xmlns:p="http://schemas.openxmlformats.org/presentationml/2006/main">
+  <p:cSld>
+    <p:spTree>
+      <p:nvGrpSpPr>
+        <p:cNvPr id="1" name=""/>
+        <p:cNvGrpSpPr/>
+        <p:nvPr/>
+      </p:nvGrpSpPr>
+      <p:grpSpPr>
+        <a:xfrm>
+          <a:off x="0" y="0"/>
+          <a:ext cx="0" cy="0"/>
+          <a:chOff x="0" y="0"/>
+          <a:chExt cx="0" cy="0"/>
+        </a:xfrm>
+      </p:grpSpPr>
+      <p:sp>
+        <p:nvSpPr>
+          <p:cNvPr id="2" name="Title 1"/>
+          <p:cNvSpPr>
+            <a:spLocks noGrp="1"/>
+          </p:cNvSpPr>
+          <p:nvPr>
+            <p:ph type="title"/>
+          </p:nvPr>
+        </p:nvSpPr>
+        <p:spPr/>
+        <p:txBody>
+          <a:bodyPr/>
+          <a:lstStyle/>
+          <a:p>
+            <a:r>
+              <a:rPr lang="en-US" dirty="0"/>
               <a:t>Web Vs Worker</a:t>
             </a:r>
           </a:p>
@@ -3972,6 +4244,33 @@
           <a:bodyPr/>
           <a:lstStyle/>
           <a:p>
+            <a:r>
+              <a:rPr lang="en-US" dirty="0"/>
+              <a:t>Worker handles tasks which are time intensive or resource intensive </a:t>
+            </a:r>
+          </a:p>
+          <a:p>
+            <a:r>
+              <a:rPr lang="en-US" dirty="0"/>
+              <a:t>Worker frequently used for background tasks</a:t>
+            </a:r>
+          </a:p>
+          <a:p>
+            <a:r>
+              <a:rPr lang="en-US" dirty="0"/>
+              <a:t>Worker avoids spending too much time on single request and can make your web server more responsive</a:t>
+            </a:r>
+          </a:p>
+          <a:p>
+            <a:r>
+              <a:rPr lang="en-US" dirty="0"/>
+              <a:t>Worker and web communicate via SQS queue</a:t>
+            </a:r>
+          </a:p>
+          <a:p>
+            <a:pPr marL="0" indent="0">
+              <a:buNone/>
+            </a:pPr>
             <a:endParaRPr lang="en-US" dirty="0"/>
           </a:p>
           <a:p>
@@ -4025,298 +4324,6 @@
 </p:sld>
 </file>
 
-<file path=ppt/slides/slide11.xml><?xml version="1.0" encoding="utf-8"?>
-<p:sld xmlns:a="http://schemas.openxmlformats.org/drawingml/2006/main" xmlns:r="http://schemas.openxmlformats.org/officeDocument/2006/relationships" xmlns:p="http://schemas.openxmlformats.org/presentationml/2006/main">
-  <p:cSld>
-    <p:spTree>
-      <p:nvGrpSpPr>
-        <p:cNvPr id="1" name=""/>
-        <p:cNvGrpSpPr/>
-        <p:nvPr/>
-      </p:nvGrpSpPr>
-      <p:grpSpPr>
-        <a:xfrm>
-          <a:off x="0" y="0"/>
-          <a:ext cx="0" cy="0"/>
-          <a:chOff x="0" y="0"/>
-          <a:chExt cx="0" cy="0"/>
-        </a:xfrm>
-      </p:grpSpPr>
-      <p:sp>
-        <p:nvSpPr>
-          <p:cNvPr id="2" name="Title 1"/>
-          <p:cNvSpPr>
-            <a:spLocks noGrp="1"/>
-          </p:cNvSpPr>
-          <p:nvPr>
-            <p:ph type="title"/>
-          </p:nvPr>
-        </p:nvSpPr>
-        <p:spPr/>
-        <p:txBody>
-          <a:bodyPr/>
-          <a:lstStyle/>
-          <a:p>
-            <a:r>
-              <a:rPr lang="en-US" dirty="0"/>
-              <a:t>Under the hood </a:t>
-            </a:r>
-            <a:r>
-              <a:rPr lang="en-US" dirty="0" err="1"/>
-              <a:t>cloudformation</a:t>
-            </a:r>
-            <a:endParaRPr lang="en-US" dirty="0"/>
-          </a:p>
-        </p:txBody>
-      </p:sp>
-      <p:sp>
-        <p:nvSpPr>
-          <p:cNvPr id="3" name="Content Placeholder 2"/>
-          <p:cNvSpPr>
-            <a:spLocks noGrp="1"/>
-          </p:cNvSpPr>
-          <p:nvPr>
-            <p:ph idx="1"/>
-          </p:nvPr>
-        </p:nvSpPr>
-        <p:spPr/>
-        <p:txBody>
-          <a:bodyPr/>
-          <a:lstStyle/>
-          <a:p>
-            <a:r>
-              <a:rPr lang="en-US" dirty="0"/>
-              <a:t>Template in .</a:t>
-            </a:r>
-            <a:r>
-              <a:rPr lang="en-US" dirty="0" err="1"/>
-              <a:t>json</a:t>
-            </a:r>
-            <a:r>
-              <a:rPr lang="en-US" dirty="0"/>
-              <a:t> to </a:t>
-            </a:r>
-            <a:r>
-              <a:rPr lang="en-US" dirty="0" err="1"/>
-              <a:t>yaml</a:t>
-            </a:r>
-            <a:r>
-              <a:rPr lang="en-US" dirty="0"/>
-              <a:t> </a:t>
-            </a:r>
-          </a:p>
-          <a:p>
-            <a:r>
-              <a:rPr lang="en-US" dirty="0"/>
-              <a:t>Template is ran which creates a stack of </a:t>
-            </a:r>
-            <a:r>
-              <a:rPr lang="en-US" dirty="0" err="1"/>
-              <a:t>aws</a:t>
-            </a:r>
-            <a:r>
-              <a:rPr lang="en-US" dirty="0"/>
-              <a:t> resources</a:t>
-            </a:r>
-          </a:p>
-          <a:p>
-            <a:r>
-              <a:rPr lang="en-US" dirty="0"/>
-              <a:t>Whole stack can be deleted or easily re-created in another availability zone</a:t>
-            </a:r>
-          </a:p>
-          <a:p>
-            <a:r>
-              <a:rPr lang="en-US" dirty="0"/>
-              <a:t>https://aws.amazon.com/cloudformation/</a:t>
-            </a:r>
-          </a:p>
-        </p:txBody>
-      </p:sp>
-    </p:spTree>
-    <p:extLst>
-      <p:ext uri="{BB962C8B-B14F-4D97-AF65-F5344CB8AC3E}">
-        <p14:creationId xmlns:p14="http://schemas.microsoft.com/office/powerpoint/2010/main" val="1627049321"/>
-      </p:ext>
-    </p:extLst>
-  </p:cSld>
-  <p:clrMapOvr>
-    <a:masterClrMapping/>
-  </p:clrMapOvr>
-</p:sld>
-</file>
-
-<file path=ppt/slides/slide12.xml><?xml version="1.0" encoding="utf-8"?>
-<p:sld xmlns:a="http://schemas.openxmlformats.org/drawingml/2006/main" xmlns:r="http://schemas.openxmlformats.org/officeDocument/2006/relationships" xmlns:p="http://schemas.openxmlformats.org/presentationml/2006/main">
-  <p:cSld>
-    <p:spTree>
-      <p:nvGrpSpPr>
-        <p:cNvPr id="1" name=""/>
-        <p:cNvGrpSpPr/>
-        <p:nvPr/>
-      </p:nvGrpSpPr>
-      <p:grpSpPr>
-        <a:xfrm>
-          <a:off x="0" y="0"/>
-          <a:ext cx="0" cy="0"/>
-          <a:chOff x="0" y="0"/>
-          <a:chExt cx="0" cy="0"/>
-        </a:xfrm>
-      </p:grpSpPr>
-      <p:sp>
-        <p:nvSpPr>
-          <p:cNvPr id="2" name="Title 1"/>
-          <p:cNvSpPr>
-            <a:spLocks noGrp="1"/>
-          </p:cNvSpPr>
-          <p:nvPr>
-            <p:ph type="title"/>
-          </p:nvPr>
-        </p:nvSpPr>
-        <p:spPr/>
-        <p:txBody>
-          <a:bodyPr/>
-          <a:lstStyle/>
-          <a:p>
-            <a:r>
-              <a:rPr lang="en-US" dirty="0"/>
-              <a:t>scenario one quick deploy</a:t>
-            </a:r>
-            <a:br>
-              <a:rPr lang="en-US" dirty="0"/>
-            </a:br>
-            <a:endParaRPr lang="en-US" dirty="0"/>
-          </a:p>
-        </p:txBody>
-      </p:sp>
-      <p:sp>
-        <p:nvSpPr>
-          <p:cNvPr id="3" name="Content Placeholder 2"/>
-          <p:cNvSpPr>
-            <a:spLocks noGrp="1"/>
-          </p:cNvSpPr>
-          <p:nvPr>
-            <p:ph idx="1"/>
-          </p:nvPr>
-        </p:nvSpPr>
-        <p:spPr/>
-        <p:txBody>
-          <a:bodyPr/>
-          <a:lstStyle/>
-          <a:p>
-            <a:r>
-              <a:rPr lang="en-US" dirty="0"/>
-              <a:t>Scenario one quick deploy</a:t>
-            </a:r>
-          </a:p>
-          <a:p>
-            <a:endParaRPr lang="en-US" dirty="0"/>
-          </a:p>
-        </p:txBody>
-      </p:sp>
-    </p:spTree>
-    <p:extLst>
-      <p:ext uri="{BB962C8B-B14F-4D97-AF65-F5344CB8AC3E}">
-        <p14:creationId xmlns:p14="http://schemas.microsoft.com/office/powerpoint/2010/main" val="2152174942"/>
-      </p:ext>
-    </p:extLst>
-  </p:cSld>
-  <p:clrMapOvr>
-    <a:masterClrMapping/>
-  </p:clrMapOvr>
-</p:sld>
-</file>
-
-<file path=ppt/slides/slide13.xml><?xml version="1.0" encoding="utf-8"?>
-<p:sld xmlns:a="http://schemas.openxmlformats.org/drawingml/2006/main" xmlns:r="http://schemas.openxmlformats.org/officeDocument/2006/relationships" xmlns:p="http://schemas.openxmlformats.org/presentationml/2006/main">
-  <p:cSld>
-    <p:spTree>
-      <p:nvGrpSpPr>
-        <p:cNvPr id="1" name=""/>
-        <p:cNvGrpSpPr/>
-        <p:nvPr/>
-      </p:nvGrpSpPr>
-      <p:grpSpPr>
-        <a:xfrm>
-          <a:off x="0" y="0"/>
-          <a:ext cx="0" cy="0"/>
-          <a:chOff x="0" y="0"/>
-          <a:chExt cx="0" cy="0"/>
-        </a:xfrm>
-      </p:grpSpPr>
-      <p:sp>
-        <p:nvSpPr>
-          <p:cNvPr id="2" name="Title 1"/>
-          <p:cNvSpPr>
-            <a:spLocks noGrp="1"/>
-          </p:cNvSpPr>
-          <p:nvPr>
-            <p:ph type="title"/>
-          </p:nvPr>
-        </p:nvSpPr>
-        <p:spPr/>
-        <p:txBody>
-          <a:bodyPr/>
-          <a:lstStyle/>
-          <a:p>
-            <a:r>
-              <a:rPr lang="en-US" dirty="0"/>
-              <a:t>scenario  two High Availability \ Custom</a:t>
-            </a:r>
-          </a:p>
-        </p:txBody>
-      </p:sp>
-      <p:sp>
-        <p:nvSpPr>
-          <p:cNvPr id="3" name="Content Placeholder 2"/>
-          <p:cNvSpPr>
-            <a:spLocks noGrp="1"/>
-          </p:cNvSpPr>
-          <p:nvPr>
-            <p:ph idx="1"/>
-          </p:nvPr>
-        </p:nvSpPr>
-        <p:spPr/>
-        <p:txBody>
-          <a:bodyPr/>
-          <a:lstStyle/>
-          <a:p>
-            <a:r>
-              <a:rPr lang="en-US" dirty="0"/>
-              <a:t>Scenario two High Availability \ Custom</a:t>
-            </a:r>
-          </a:p>
-          <a:p>
-            <a:r>
-              <a:rPr lang="en-US" dirty="0"/>
-              <a:t>High availability refers to systems that are durable and likely to operate continuously without failure for a long time. The term implies that parts of a system have been fully tested and, in many cases, that there are accommodations for failure in the form of redundant components.</a:t>
-            </a:r>
-          </a:p>
-          <a:p>
-            <a:r>
-              <a:rPr lang="en-US" dirty="0"/>
-              <a:t>https://docs.aws.amazon.com/quickstarts/latest/webapp/expanding-environments.html?icmpid=docs_eb_console_new#expanding-environments-rds</a:t>
-            </a:r>
-            <a:endParaRPr lang="en-US" dirty="0"/>
-          </a:p>
-          <a:p>
-            <a:endParaRPr lang="en-US" dirty="0"/>
-          </a:p>
-        </p:txBody>
-      </p:sp>
-    </p:spTree>
-    <p:extLst>
-      <p:ext uri="{BB962C8B-B14F-4D97-AF65-F5344CB8AC3E}">
-        <p14:creationId xmlns:p14="http://schemas.microsoft.com/office/powerpoint/2010/main" val="204430570"/>
-      </p:ext>
-    </p:extLst>
-  </p:cSld>
-  <p:clrMapOvr>
-    <a:masterClrMapping/>
-  </p:clrMapOvr>
-</p:sld>
-</file>
-
 <file path=ppt/slides/slide14.xml><?xml version="1.0" encoding="utf-8"?>
 <p:sld xmlns:a="http://schemas.openxmlformats.org/drawingml/2006/main" xmlns:r="http://schemas.openxmlformats.org/officeDocument/2006/relationships" xmlns:p="http://schemas.openxmlformats.org/presentationml/2006/main">
   <p:cSld>
@@ -4351,7 +4358,7 @@
           <a:p>
             <a:r>
               <a:rPr lang="en-US" dirty="0"/>
-              <a:t>scenario  three IDE Visual Studio</a:t>
+              <a:t>Environment Health</a:t>
             </a:r>
           </a:p>
         </p:txBody>
@@ -4373,54 +4380,45 @@
           <a:p>
             <a:r>
               <a:rPr lang="en-US" dirty="0"/>
-              <a:t>Scenario  three IDE Visual Studio</a:t>
-            </a:r>
-          </a:p>
-          <a:p>
-            <a:r>
-              <a:rPr lang="en-US" u="sng" dirty="0">
-                <a:hlinkClick r:id="rId2"/>
+              <a:t>Environment is being Created\updated</a:t>
+            </a:r>
+          </a:p>
+          <a:p>
+            <a:r>
+              <a:rPr lang="en-US" dirty="0">
+                <a:solidFill>
+                  <a:srgbClr val="00B050"/>
+                </a:solidFill>
               </a:rPr>
-              <a:t>https://aws.amazon.com/blogs/aws/aws-beanstalk-eclipse-integration/</a:t>
-            </a:r>
-            <a:endParaRPr lang="en-US" dirty="0"/>
-          </a:p>
-          <a:p>
-            <a:r>
-              <a:rPr lang="en-US" u="sng" dirty="0">
-                <a:hlinkClick r:id="rId3"/>
+              <a:t>Passed recent health check</a:t>
+            </a:r>
+          </a:p>
+          <a:p>
+            <a:r>
+              <a:rPr lang="en-US" dirty="0">
+                <a:solidFill>
+                  <a:srgbClr val="FFFF00"/>
+                </a:solidFill>
               </a:rPr>
-              <a:t>https://docs.aws.amazon.com/elasticbeanstalk/latest/dg/create_deploy_NET.html</a:t>
-            </a:r>
-            <a:r>
-              <a:rPr lang="en-US" dirty="0"/>
-              <a:t> </a:t>
-            </a:r>
-          </a:p>
-          <a:p>
-            <a:r>
-              <a:rPr lang="en-US" u="sng" dirty="0">
-                <a:hlinkClick r:id="rId4"/>
+              <a:t>Failed one or two checks</a:t>
+            </a:r>
+          </a:p>
+          <a:p>
+            <a:r>
+              <a:rPr lang="en-US" dirty="0">
+                <a:solidFill>
+                  <a:srgbClr val="FF0000"/>
+                </a:solidFill>
               </a:rPr>
-              <a:t>https://docs.aws.amazon.com/elasticbeanstalk/latest/dg/tutorials.html</a:t>
-            </a:r>
-            <a:endParaRPr lang="en-US" dirty="0"/>
-          </a:p>
-          <a:p>
-            <a:pPr marL="0" indent="0">
-              <a:buNone/>
-            </a:pPr>
-            <a:endParaRPr lang="en-US" dirty="0"/>
-          </a:p>
-          <a:p>
-            <a:endParaRPr lang="en-US" dirty="0"/>
+              <a:t>Failed three or more check</a:t>
+            </a:r>
           </a:p>
         </p:txBody>
       </p:sp>
     </p:spTree>
     <p:extLst>
       <p:ext uri="{BB962C8B-B14F-4D97-AF65-F5344CB8AC3E}">
-        <p14:creationId xmlns:p14="http://schemas.microsoft.com/office/powerpoint/2010/main" val="1520083674"/>
+        <p14:creationId xmlns:p14="http://schemas.microsoft.com/office/powerpoint/2010/main" val="1725181706"/>
       </p:ext>
     </p:extLst>
   </p:cSld>
@@ -4464,8 +4462,13 @@
           <a:p>
             <a:r>
               <a:rPr lang="en-US" dirty="0"/>
-              <a:t>Command line Interface</a:t>
-            </a:r>
+              <a:t>Under the hood </a:t>
+            </a:r>
+            <a:r>
+              <a:rPr lang="en-US" dirty="0" err="1"/>
+              <a:t>cloudformation</a:t>
+            </a:r>
+            <a:endParaRPr lang="en-US" dirty="0"/>
           </a:p>
         </p:txBody>
       </p:sp>
@@ -4485,52 +4488,58 @@
           <a:lstStyle/>
           <a:p>
             <a:r>
-              <a:rPr lang="en-US" dirty="0">
-                <a:hlinkClick r:id="rId2"/>
-              </a:rPr>
-              <a:t>https://aws.amazon.com/getting-started/tutorials/deploy-app-command-line-elastic-beanstalk/</a:t>
-            </a:r>
-            <a:endParaRPr lang="en-US" dirty="0"/>
-          </a:p>
-          <a:p>
-            <a:r>
-              <a:rPr lang="en-US" dirty="0"/>
-              <a:t>Use CI\CD to have a completely new environment on check in\merge</a:t>
-            </a:r>
-          </a:p>
-          <a:p>
-            <a:pPr lvl="1"/>
-            <a:r>
-              <a:rPr lang="en-US" dirty="0"/>
-              <a:t>Jenkins\ other tools with command line interface</a:t>
-            </a:r>
-          </a:p>
-          <a:p>
-            <a:pPr lvl="1"/>
-            <a:r>
-              <a:rPr lang="en-US" dirty="0"/>
-              <a:t>Use code deploy and set up CI\CD pipeline</a:t>
-            </a:r>
-          </a:p>
-          <a:p>
-            <a:pPr marL="324000" lvl="1" indent="0">
-              <a:buNone/>
-            </a:pPr>
-            <a:r>
-              <a:rPr lang="en-US" dirty="0"/>
-              <a:t> https://aws.amazon.com/getting-started/projects/set-up-ci-cd-pipeline/</a:t>
-            </a:r>
-          </a:p>
-          <a:p>
-            <a:pPr lvl="1"/>
-            <a:endParaRPr lang="en-US" dirty="0"/>
+              <a:rPr lang="en-US" dirty="0"/>
+              <a:t>Template in .</a:t>
+            </a:r>
+            <a:r>
+              <a:rPr lang="en-US" dirty="0" err="1"/>
+              <a:t>json</a:t>
+            </a:r>
+            <a:r>
+              <a:rPr lang="en-US" dirty="0"/>
+              <a:t> to </a:t>
+            </a:r>
+            <a:r>
+              <a:rPr lang="en-US" dirty="0" err="1"/>
+              <a:t>yaml</a:t>
+            </a:r>
+            <a:r>
+              <a:rPr lang="en-US" dirty="0"/>
+              <a:t> </a:t>
+            </a:r>
+          </a:p>
+          <a:p>
+            <a:r>
+              <a:rPr lang="en-US" dirty="0"/>
+              <a:t>Template is ran which creates a stack of </a:t>
+            </a:r>
+            <a:r>
+              <a:rPr lang="en-US" dirty="0" err="1"/>
+              <a:t>aws</a:t>
+            </a:r>
+            <a:r>
+              <a:rPr lang="en-US" dirty="0"/>
+              <a:t> resources</a:t>
+            </a:r>
+          </a:p>
+          <a:p>
+            <a:r>
+              <a:rPr lang="en-US" dirty="0"/>
+              <a:t>Whole stack can be deleted or easily re-created in another availability zone</a:t>
+            </a:r>
+          </a:p>
+          <a:p>
+            <a:r>
+              <a:rPr lang="en-US" dirty="0"/>
+              <a:t>https://aws.amazon.com/cloudformation/</a:t>
+            </a:r>
           </a:p>
         </p:txBody>
       </p:sp>
     </p:spTree>
     <p:extLst>
       <p:ext uri="{BB962C8B-B14F-4D97-AF65-F5344CB8AC3E}">
-        <p14:creationId xmlns:p14="http://schemas.microsoft.com/office/powerpoint/2010/main" val="1820139603"/>
+        <p14:creationId xmlns:p14="http://schemas.microsoft.com/office/powerpoint/2010/main" val="1627049321"/>
       </p:ext>
     </p:extLst>
   </p:cSld>
@@ -4574,8 +4583,13 @@
           <a:p>
             <a:r>
               <a:rPr lang="en-US" dirty="0"/>
-              <a:t>Additional resources</a:t>
-            </a:r>
+              <a:t>Fundamental components Web Server in </a:t>
+            </a:r>
+            <a:r>
+              <a:rPr lang="en-US" dirty="0" err="1"/>
+              <a:t>BeanStalk</a:t>
+            </a:r>
+            <a:endParaRPr lang="en-US" dirty="0"/>
           </a:p>
         </p:txBody>
       </p:sp>
@@ -4596,7 +4610,31 @@
           <a:p>
             <a:r>
               <a:rPr lang="en-US" dirty="0"/>
-              <a:t>https://aws.amazon.com/elasticbeanstalk/</a:t>
+              <a:t>Elastic Load Balancer – distributes load among different EC2 instances</a:t>
+            </a:r>
+          </a:p>
+          <a:p>
+            <a:r>
+              <a:rPr lang="en-US" dirty="0"/>
+              <a:t>Auto Scaling Group – increases or decreases EC2 instances</a:t>
+            </a:r>
+          </a:p>
+          <a:p>
+            <a:r>
+              <a:rPr lang="en-US" dirty="0"/>
+              <a:t>EC2 Instances </a:t>
+            </a:r>
+          </a:p>
+          <a:p>
+            <a:r>
+              <a:rPr lang="en-US" dirty="0"/>
+              <a:t>Host Manager – software which monitors health,  etc.</a:t>
+            </a:r>
+          </a:p>
+          <a:p>
+            <a:r>
+              <a:rPr lang="en-US" dirty="0"/>
+              <a:t>Security Groups – Creates a default security group and allow you client to access on port 80</a:t>
             </a:r>
           </a:p>
         </p:txBody>
@@ -4604,7 +4642,290 @@
     </p:spTree>
     <p:extLst>
       <p:ext uri="{BB962C8B-B14F-4D97-AF65-F5344CB8AC3E}">
-        <p14:creationId xmlns:p14="http://schemas.microsoft.com/office/powerpoint/2010/main" val="2668155073"/>
+        <p14:creationId xmlns:p14="http://schemas.microsoft.com/office/powerpoint/2010/main" val="2231220389"/>
+      </p:ext>
+    </p:extLst>
+  </p:cSld>
+  <p:clrMapOvr>
+    <a:masterClrMapping/>
+  </p:clrMapOvr>
+</p:sld>
+</file>
+
+<file path=ppt/slides/slide17.xml><?xml version="1.0" encoding="utf-8"?>
+<p:sld xmlns:a="http://schemas.openxmlformats.org/drawingml/2006/main" xmlns:r="http://schemas.openxmlformats.org/officeDocument/2006/relationships" xmlns:p="http://schemas.openxmlformats.org/presentationml/2006/main">
+  <p:cSld>
+    <p:spTree>
+      <p:nvGrpSpPr>
+        <p:cNvPr id="1" name=""/>
+        <p:cNvGrpSpPr/>
+        <p:nvPr/>
+      </p:nvGrpSpPr>
+      <p:grpSpPr>
+        <a:xfrm>
+          <a:off x="0" y="0"/>
+          <a:ext cx="0" cy="0"/>
+          <a:chOff x="0" y="0"/>
+          <a:chExt cx="0" cy="0"/>
+        </a:xfrm>
+      </p:grpSpPr>
+      <p:sp>
+        <p:nvSpPr>
+          <p:cNvPr id="2" name="Title 1"/>
+          <p:cNvSpPr>
+            <a:spLocks noGrp="1"/>
+          </p:cNvSpPr>
+          <p:nvPr>
+            <p:ph type="title"/>
+          </p:nvPr>
+        </p:nvSpPr>
+        <p:spPr/>
+        <p:txBody>
+          <a:bodyPr/>
+          <a:lstStyle/>
+          <a:p>
+            <a:r>
+              <a:rPr lang="en-US" dirty="0"/>
+              <a:t>scenario one quick deploy</a:t>
+            </a:r>
+            <a:br>
+              <a:rPr lang="en-US" dirty="0"/>
+            </a:br>
+            <a:endParaRPr lang="en-US" dirty="0"/>
+          </a:p>
+        </p:txBody>
+      </p:sp>
+      <p:sp>
+        <p:nvSpPr>
+          <p:cNvPr id="3" name="Content Placeholder 2"/>
+          <p:cNvSpPr>
+            <a:spLocks noGrp="1"/>
+          </p:cNvSpPr>
+          <p:nvPr>
+            <p:ph idx="1"/>
+          </p:nvPr>
+        </p:nvSpPr>
+        <p:spPr/>
+        <p:txBody>
+          <a:bodyPr/>
+          <a:lstStyle/>
+          <a:p>
+            <a:r>
+              <a:rPr lang="en-US" dirty="0"/>
+              <a:t>Scenario one quick deploy</a:t>
+            </a:r>
+          </a:p>
+          <a:p>
+            <a:endParaRPr lang="en-US" dirty="0"/>
+          </a:p>
+        </p:txBody>
+      </p:sp>
+    </p:spTree>
+    <p:extLst>
+      <p:ext uri="{BB962C8B-B14F-4D97-AF65-F5344CB8AC3E}">
+        <p14:creationId xmlns:p14="http://schemas.microsoft.com/office/powerpoint/2010/main" val="2152174942"/>
+      </p:ext>
+    </p:extLst>
+  </p:cSld>
+  <p:clrMapOvr>
+    <a:masterClrMapping/>
+  </p:clrMapOvr>
+</p:sld>
+</file>
+
+<file path=ppt/slides/slide18.xml><?xml version="1.0" encoding="utf-8"?>
+<p:sld xmlns:a="http://schemas.openxmlformats.org/drawingml/2006/main" xmlns:r="http://schemas.openxmlformats.org/officeDocument/2006/relationships" xmlns:p="http://schemas.openxmlformats.org/presentationml/2006/main">
+  <p:cSld>
+    <p:spTree>
+      <p:nvGrpSpPr>
+        <p:cNvPr id="1" name=""/>
+        <p:cNvGrpSpPr/>
+        <p:nvPr/>
+      </p:nvGrpSpPr>
+      <p:grpSpPr>
+        <a:xfrm>
+          <a:off x="0" y="0"/>
+          <a:ext cx="0" cy="0"/>
+          <a:chOff x="0" y="0"/>
+          <a:chExt cx="0" cy="0"/>
+        </a:xfrm>
+      </p:grpSpPr>
+      <p:sp>
+        <p:nvSpPr>
+          <p:cNvPr id="2" name="Title 1"/>
+          <p:cNvSpPr>
+            <a:spLocks noGrp="1"/>
+          </p:cNvSpPr>
+          <p:nvPr>
+            <p:ph type="title"/>
+          </p:nvPr>
+        </p:nvSpPr>
+        <p:spPr/>
+        <p:txBody>
+          <a:bodyPr/>
+          <a:lstStyle/>
+          <a:p>
+            <a:r>
+              <a:rPr lang="en-US" dirty="0"/>
+              <a:t>scenario  two High Availability \ Custom</a:t>
+            </a:r>
+          </a:p>
+        </p:txBody>
+      </p:sp>
+      <p:sp>
+        <p:nvSpPr>
+          <p:cNvPr id="3" name="Content Placeholder 2"/>
+          <p:cNvSpPr>
+            <a:spLocks noGrp="1"/>
+          </p:cNvSpPr>
+          <p:nvPr>
+            <p:ph idx="1"/>
+          </p:nvPr>
+        </p:nvSpPr>
+        <p:spPr/>
+        <p:txBody>
+          <a:bodyPr/>
+          <a:lstStyle/>
+          <a:p>
+            <a:r>
+              <a:rPr lang="en-US" dirty="0"/>
+              <a:t>Scenario two High Availability \ Custom</a:t>
+            </a:r>
+          </a:p>
+          <a:p>
+            <a:r>
+              <a:rPr lang="en-US" dirty="0"/>
+              <a:t>High availability refers to systems that are durable and likely to operate continuously without failure for a long time. The term implies that parts of a system have been fully tested and, in many cases, that there are accommodations for failure in the form of redundant components.</a:t>
+            </a:r>
+          </a:p>
+          <a:p>
+            <a:r>
+              <a:rPr lang="en-US" dirty="0"/>
+              <a:t>https://docs.aws.amazon.com/quickstarts/latest/webapp/expanding-environments.html?icmpid=docs_eb_console_new#expanding-environments-rds</a:t>
+            </a:r>
+          </a:p>
+          <a:p>
+            <a:endParaRPr lang="en-US" dirty="0"/>
+          </a:p>
+        </p:txBody>
+      </p:sp>
+    </p:spTree>
+    <p:extLst>
+      <p:ext uri="{BB962C8B-B14F-4D97-AF65-F5344CB8AC3E}">
+        <p14:creationId xmlns:p14="http://schemas.microsoft.com/office/powerpoint/2010/main" val="204430570"/>
+      </p:ext>
+    </p:extLst>
+  </p:cSld>
+  <p:clrMapOvr>
+    <a:masterClrMapping/>
+  </p:clrMapOvr>
+</p:sld>
+</file>
+
+<file path=ppt/slides/slide19.xml><?xml version="1.0" encoding="utf-8"?>
+<p:sld xmlns:a="http://schemas.openxmlformats.org/drawingml/2006/main" xmlns:r="http://schemas.openxmlformats.org/officeDocument/2006/relationships" xmlns:p="http://schemas.openxmlformats.org/presentationml/2006/main">
+  <p:cSld>
+    <p:spTree>
+      <p:nvGrpSpPr>
+        <p:cNvPr id="1" name=""/>
+        <p:cNvGrpSpPr/>
+        <p:nvPr/>
+      </p:nvGrpSpPr>
+      <p:grpSpPr>
+        <a:xfrm>
+          <a:off x="0" y="0"/>
+          <a:ext cx="0" cy="0"/>
+          <a:chOff x="0" y="0"/>
+          <a:chExt cx="0" cy="0"/>
+        </a:xfrm>
+      </p:grpSpPr>
+      <p:sp>
+        <p:nvSpPr>
+          <p:cNvPr id="2" name="Title 1"/>
+          <p:cNvSpPr>
+            <a:spLocks noGrp="1"/>
+          </p:cNvSpPr>
+          <p:nvPr>
+            <p:ph type="title"/>
+          </p:nvPr>
+        </p:nvSpPr>
+        <p:spPr/>
+        <p:txBody>
+          <a:bodyPr/>
+          <a:lstStyle/>
+          <a:p>
+            <a:r>
+              <a:rPr lang="en-US" dirty="0"/>
+              <a:t>scenario  three IDE Visual Studio</a:t>
+            </a:r>
+          </a:p>
+        </p:txBody>
+      </p:sp>
+      <p:sp>
+        <p:nvSpPr>
+          <p:cNvPr id="3" name="Content Placeholder 2"/>
+          <p:cNvSpPr>
+            <a:spLocks noGrp="1"/>
+          </p:cNvSpPr>
+          <p:nvPr>
+            <p:ph idx="1"/>
+          </p:nvPr>
+        </p:nvSpPr>
+        <p:spPr/>
+        <p:txBody>
+          <a:bodyPr/>
+          <a:lstStyle/>
+          <a:p>
+            <a:r>
+              <a:rPr lang="en-US" dirty="0"/>
+              <a:t>Scenario  three IDE Visual Studio</a:t>
+            </a:r>
+          </a:p>
+          <a:p>
+            <a:r>
+              <a:rPr lang="en-US" u="sng" dirty="0">
+                <a:hlinkClick r:id="rId2"/>
+              </a:rPr>
+              <a:t>https://aws.amazon.com/blogs/aws/aws-beanstalk-eclipse-integration/</a:t>
+            </a:r>
+            <a:endParaRPr lang="en-US" dirty="0"/>
+          </a:p>
+          <a:p>
+            <a:r>
+              <a:rPr lang="en-US" u="sng" dirty="0">
+                <a:hlinkClick r:id="rId3"/>
+              </a:rPr>
+              <a:t>https://docs.aws.amazon.com/elasticbeanstalk/latest/dg/create_deploy_NET.html</a:t>
+            </a:r>
+            <a:r>
+              <a:rPr lang="en-US" dirty="0"/>
+              <a:t> </a:t>
+            </a:r>
+          </a:p>
+          <a:p>
+            <a:r>
+              <a:rPr lang="en-US" u="sng" dirty="0">
+                <a:hlinkClick r:id="rId4"/>
+              </a:rPr>
+              <a:t>https://docs.aws.amazon.com/elasticbeanstalk/latest/dg/tutorials.html</a:t>
+            </a:r>
+            <a:endParaRPr lang="en-US" dirty="0"/>
+          </a:p>
+          <a:p>
+            <a:pPr marL="0" indent="0">
+              <a:buNone/>
+            </a:pPr>
+            <a:endParaRPr lang="en-US" dirty="0"/>
+          </a:p>
+          <a:p>
+            <a:endParaRPr lang="en-US" dirty="0"/>
+          </a:p>
+        </p:txBody>
+      </p:sp>
+    </p:spTree>
+    <p:extLst>
+      <p:ext uri="{BB962C8B-B14F-4D97-AF65-F5344CB8AC3E}">
+        <p14:creationId xmlns:p14="http://schemas.microsoft.com/office/powerpoint/2010/main" val="1520083674"/>
       </p:ext>
     </p:extLst>
   </p:cSld>
@@ -4688,6 +5009,190 @@
 </p:sld>
 </file>
 
+<file path=ppt/slides/slide20.xml><?xml version="1.0" encoding="utf-8"?>
+<p:sld xmlns:a="http://schemas.openxmlformats.org/drawingml/2006/main" xmlns:r="http://schemas.openxmlformats.org/officeDocument/2006/relationships" xmlns:p="http://schemas.openxmlformats.org/presentationml/2006/main">
+  <p:cSld>
+    <p:spTree>
+      <p:nvGrpSpPr>
+        <p:cNvPr id="1" name=""/>
+        <p:cNvGrpSpPr/>
+        <p:nvPr/>
+      </p:nvGrpSpPr>
+      <p:grpSpPr>
+        <a:xfrm>
+          <a:off x="0" y="0"/>
+          <a:ext cx="0" cy="0"/>
+          <a:chOff x="0" y="0"/>
+          <a:chExt cx="0" cy="0"/>
+        </a:xfrm>
+      </p:grpSpPr>
+      <p:sp>
+        <p:nvSpPr>
+          <p:cNvPr id="2" name="Title 1"/>
+          <p:cNvSpPr>
+            <a:spLocks noGrp="1"/>
+          </p:cNvSpPr>
+          <p:nvPr>
+            <p:ph type="title"/>
+          </p:nvPr>
+        </p:nvSpPr>
+        <p:spPr/>
+        <p:txBody>
+          <a:bodyPr/>
+          <a:lstStyle/>
+          <a:p>
+            <a:r>
+              <a:rPr lang="en-US" dirty="0"/>
+              <a:t>Command line Interface</a:t>
+            </a:r>
+          </a:p>
+        </p:txBody>
+      </p:sp>
+      <p:sp>
+        <p:nvSpPr>
+          <p:cNvPr id="3" name="Content Placeholder 2"/>
+          <p:cNvSpPr>
+            <a:spLocks noGrp="1"/>
+          </p:cNvSpPr>
+          <p:nvPr>
+            <p:ph idx="1"/>
+          </p:nvPr>
+        </p:nvSpPr>
+        <p:spPr/>
+        <p:txBody>
+          <a:bodyPr/>
+          <a:lstStyle/>
+          <a:p>
+            <a:r>
+              <a:rPr lang="en-US" dirty="0">
+                <a:hlinkClick r:id="rId2"/>
+              </a:rPr>
+              <a:t>https://aws.amazon.com/getting-started/tutorials/deploy-app-command-line-elastic-beanstalk/</a:t>
+            </a:r>
+            <a:endParaRPr lang="en-US" dirty="0"/>
+          </a:p>
+          <a:p>
+            <a:r>
+              <a:rPr lang="en-US" dirty="0"/>
+              <a:t>Use CI\CD to have a completely new environment on check in\merge</a:t>
+            </a:r>
+          </a:p>
+          <a:p>
+            <a:pPr lvl="1"/>
+            <a:r>
+              <a:rPr lang="en-US" dirty="0"/>
+              <a:t>Jenkins\ other tools with command line interface</a:t>
+            </a:r>
+          </a:p>
+          <a:p>
+            <a:pPr lvl="1"/>
+            <a:r>
+              <a:rPr lang="en-US" dirty="0"/>
+              <a:t>Use code deploy and set up CI\CD pipeline</a:t>
+            </a:r>
+          </a:p>
+          <a:p>
+            <a:pPr marL="324000" lvl="1" indent="0">
+              <a:buNone/>
+            </a:pPr>
+            <a:r>
+              <a:rPr lang="en-US" dirty="0"/>
+              <a:t> https://aws.amazon.com/getting-started/projects/set-up-ci-cd-pipeline/</a:t>
+            </a:r>
+          </a:p>
+          <a:p>
+            <a:pPr lvl="1"/>
+            <a:endParaRPr lang="en-US" dirty="0"/>
+          </a:p>
+        </p:txBody>
+      </p:sp>
+    </p:spTree>
+    <p:extLst>
+      <p:ext uri="{BB962C8B-B14F-4D97-AF65-F5344CB8AC3E}">
+        <p14:creationId xmlns:p14="http://schemas.microsoft.com/office/powerpoint/2010/main" val="1820139603"/>
+      </p:ext>
+    </p:extLst>
+  </p:cSld>
+  <p:clrMapOvr>
+    <a:masterClrMapping/>
+  </p:clrMapOvr>
+</p:sld>
+</file>
+
+<file path=ppt/slides/slide21.xml><?xml version="1.0" encoding="utf-8"?>
+<p:sld xmlns:a="http://schemas.openxmlformats.org/drawingml/2006/main" xmlns:r="http://schemas.openxmlformats.org/officeDocument/2006/relationships" xmlns:p="http://schemas.openxmlformats.org/presentationml/2006/main">
+  <p:cSld>
+    <p:spTree>
+      <p:nvGrpSpPr>
+        <p:cNvPr id="1" name=""/>
+        <p:cNvGrpSpPr/>
+        <p:nvPr/>
+      </p:nvGrpSpPr>
+      <p:grpSpPr>
+        <a:xfrm>
+          <a:off x="0" y="0"/>
+          <a:ext cx="0" cy="0"/>
+          <a:chOff x="0" y="0"/>
+          <a:chExt cx="0" cy="0"/>
+        </a:xfrm>
+      </p:grpSpPr>
+      <p:sp>
+        <p:nvSpPr>
+          <p:cNvPr id="2" name="Title 1"/>
+          <p:cNvSpPr>
+            <a:spLocks noGrp="1"/>
+          </p:cNvSpPr>
+          <p:nvPr>
+            <p:ph type="title"/>
+          </p:nvPr>
+        </p:nvSpPr>
+        <p:spPr/>
+        <p:txBody>
+          <a:bodyPr/>
+          <a:lstStyle/>
+          <a:p>
+            <a:r>
+              <a:rPr lang="en-US" dirty="0"/>
+              <a:t>Additional resources</a:t>
+            </a:r>
+          </a:p>
+        </p:txBody>
+      </p:sp>
+      <p:sp>
+        <p:nvSpPr>
+          <p:cNvPr id="3" name="Content Placeholder 2"/>
+          <p:cNvSpPr>
+            <a:spLocks noGrp="1"/>
+          </p:cNvSpPr>
+          <p:nvPr>
+            <p:ph idx="1"/>
+          </p:nvPr>
+        </p:nvSpPr>
+        <p:spPr/>
+        <p:txBody>
+          <a:bodyPr/>
+          <a:lstStyle/>
+          <a:p>
+            <a:r>
+              <a:rPr lang="en-US" dirty="0"/>
+              <a:t>https://aws.amazon.com/elasticbeanstalk/</a:t>
+            </a:r>
+          </a:p>
+        </p:txBody>
+      </p:sp>
+    </p:spTree>
+    <p:extLst>
+      <p:ext uri="{BB962C8B-B14F-4D97-AF65-F5344CB8AC3E}">
+        <p14:creationId xmlns:p14="http://schemas.microsoft.com/office/powerpoint/2010/main" val="2668155073"/>
+      </p:ext>
+    </p:extLst>
+  </p:cSld>
+  <p:clrMapOvr>
+    <a:masterClrMapping/>
+  </p:clrMapOvr>
+</p:sld>
+</file>
+
 <file path=ppt/slides/slide3.xml><?xml version="1.0" encoding="utf-8"?>
 <p:sld xmlns:a="http://schemas.openxmlformats.org/drawingml/2006/main" xmlns:r="http://schemas.openxmlformats.org/officeDocument/2006/relationships" xmlns:p="http://schemas.openxmlformats.org/presentationml/2006/main">
   <p:cSld>
@@ -4722,7 +5227,7 @@
           <a:p>
             <a:r>
               <a:rPr lang="en-US" dirty="0"/>
-              <a:t>Why use cloud</a:t>
+              <a:t>What we will cover</a:t>
             </a:r>
           </a:p>
         </p:txBody>
@@ -4744,57 +5249,15 @@
           <a:p>
             <a:r>
               <a:rPr lang="en-US" dirty="0"/>
-              <a:t>Lower capital expenditure</a:t>
-            </a:r>
-            <a:r>
-              <a:rPr lang="en-US" b="1" dirty="0"/>
-              <a:t> and </a:t>
-            </a:r>
-            <a:r>
-              <a:rPr lang="en-US" dirty="0"/>
-              <a:t>Easier maintenance and upgrades</a:t>
-            </a:r>
-          </a:p>
-          <a:p>
-            <a:r>
-              <a:rPr lang="en-US" dirty="0"/>
-              <a:t>Greater flexibility and mobility</a:t>
-            </a:r>
-          </a:p>
-          <a:p>
-            <a:r>
-              <a:rPr lang="en-US" dirty="0"/>
-              <a:t>Continuity of business and Disaster Recovery</a:t>
-            </a:r>
-          </a:p>
-          <a:p>
-            <a:r>
-              <a:rPr lang="en-US" dirty="0"/>
-              <a:t>Improved IT security</a:t>
-            </a:r>
-          </a:p>
-          <a:p>
-            <a:pPr lvl="1"/>
-            <a:r>
-              <a:rPr lang="en-US" dirty="0"/>
-              <a:t>https://aws.amazon.com/premiumsupport/trustedadvisor/</a:t>
-            </a:r>
-          </a:p>
-          <a:p>
-            <a:pPr marL="324000" lvl="1" indent="0">
-              <a:buNone/>
-            </a:pPr>
-            <a:endParaRPr lang="en-US" dirty="0"/>
-          </a:p>
-          <a:p>
-            <a:endParaRPr lang="en-US" dirty="0"/>
+              <a:t>Cloud benefits and what is Elastic Beanstalk</a:t>
+            </a:r>
           </a:p>
         </p:txBody>
       </p:sp>
     </p:spTree>
     <p:extLst>
       <p:ext uri="{BB962C8B-B14F-4D97-AF65-F5344CB8AC3E}">
-        <p14:creationId xmlns:p14="http://schemas.microsoft.com/office/powerpoint/2010/main" val="3245061918"/>
+        <p14:creationId xmlns:p14="http://schemas.microsoft.com/office/powerpoint/2010/main" val="1097899028"/>
       </p:ext>
     </p:extLst>
   </p:cSld>
@@ -4838,7 +5301,7 @@
           <a:p>
             <a:r>
               <a:rPr lang="en-US" dirty="0"/>
-              <a:t>What is Elastic Beanstalk ?</a:t>
+              <a:t>Why use cloud</a:t>
             </a:r>
           </a:p>
         </p:txBody>
@@ -4860,24 +5323,49 @@
           <a:p>
             <a:r>
               <a:rPr lang="en-US" dirty="0"/>
-              <a:t>AWS Elastic Beanstalk is an orchestration service offered from Amazon Web Services for deploying infrastructure which orchestrates various AWS services, including EC2, S3, Simple Notification Service, </a:t>
-            </a:r>
-            <a:r>
-              <a:rPr lang="en-US" dirty="0" err="1"/>
-              <a:t>CloudWatch</a:t>
-            </a:r>
-            <a:r>
-              <a:rPr lang="en-US" dirty="0"/>
-              <a:t>, </a:t>
-            </a:r>
-            <a:r>
-              <a:rPr lang="en-US" dirty="0" err="1"/>
-              <a:t>autoscaling</a:t>
-            </a:r>
-            <a:r>
-              <a:rPr lang="en-US" dirty="0"/>
-              <a:t>, and Elastic Load Balancers</a:t>
-            </a:r>
+              <a:t>Lower capital expenditure</a:t>
+            </a:r>
+            <a:r>
+              <a:rPr lang="en-US" b="1" dirty="0"/>
+              <a:t> and </a:t>
+            </a:r>
+            <a:r>
+              <a:rPr lang="en-US" dirty="0"/>
+              <a:t>Easier maintenance and upgrades</a:t>
+            </a:r>
+          </a:p>
+          <a:p>
+            <a:r>
+              <a:rPr lang="en-US" dirty="0"/>
+              <a:t>Greater flexibility and mobility</a:t>
+            </a:r>
+          </a:p>
+          <a:p>
+            <a:r>
+              <a:rPr lang="en-US" dirty="0"/>
+              <a:t>Continuity of business and Disaster Recovery</a:t>
+            </a:r>
+          </a:p>
+          <a:p>
+            <a:r>
+              <a:rPr lang="en-US" dirty="0"/>
+              <a:t>Improved IT security</a:t>
+            </a:r>
+          </a:p>
+          <a:p>
+            <a:pPr lvl="1"/>
+            <a:r>
+              <a:rPr lang="en-US" dirty="0"/>
+              <a:t>https://aws.amazon.com/premiumsupport/trustedadvisor/</a:t>
+            </a:r>
+          </a:p>
+          <a:p>
+            <a:pPr marL="324000" lvl="1" indent="0">
+              <a:buNone/>
+            </a:pPr>
+            <a:endParaRPr lang="en-US" dirty="0"/>
+          </a:p>
+          <a:p>
             <a:endParaRPr lang="en-US" dirty="0"/>
           </a:p>
         </p:txBody>
@@ -4885,7 +5373,7 @@
     </p:spTree>
     <p:extLst>
       <p:ext uri="{BB962C8B-B14F-4D97-AF65-F5344CB8AC3E}">
-        <p14:creationId xmlns:p14="http://schemas.microsoft.com/office/powerpoint/2010/main" val="1007769289"/>
+        <p14:creationId xmlns:p14="http://schemas.microsoft.com/office/powerpoint/2010/main" val="3245061918"/>
       </p:ext>
     </p:extLst>
   </p:cSld>
@@ -4929,6 +5417,330 @@
           <a:p>
             <a:r>
               <a:rPr lang="en-US" dirty="0"/>
+              <a:t>What is AWS</a:t>
+            </a:r>
+          </a:p>
+        </p:txBody>
+      </p:sp>
+      <p:sp>
+        <p:nvSpPr>
+          <p:cNvPr id="3" name="Content Placeholder 2"/>
+          <p:cNvSpPr>
+            <a:spLocks noGrp="1"/>
+          </p:cNvSpPr>
+          <p:nvPr>
+            <p:ph idx="1"/>
+          </p:nvPr>
+        </p:nvSpPr>
+        <p:spPr/>
+        <p:txBody>
+          <a:bodyPr/>
+          <a:lstStyle/>
+          <a:p>
+            <a:r>
+              <a:rPr lang="en-US" dirty="0"/>
+              <a:t>https://aws.amazon.com/what-is-aws/</a:t>
+            </a:r>
+            <a:endParaRPr lang="en-US" dirty="0"/>
+          </a:p>
+        </p:txBody>
+      </p:sp>
+    </p:spTree>
+    <p:extLst>
+      <p:ext uri="{BB962C8B-B14F-4D97-AF65-F5344CB8AC3E}">
+        <p14:creationId xmlns:p14="http://schemas.microsoft.com/office/powerpoint/2010/main" val="1642706086"/>
+      </p:ext>
+    </p:extLst>
+  </p:cSld>
+  <p:clrMapOvr>
+    <a:masterClrMapping/>
+  </p:clrMapOvr>
+</p:sld>
+</file>
+
+<file path=ppt/slides/slide6.xml><?xml version="1.0" encoding="utf-8"?>
+<p:sld xmlns:a="http://schemas.openxmlformats.org/drawingml/2006/main" xmlns:r="http://schemas.openxmlformats.org/officeDocument/2006/relationships" xmlns:p="http://schemas.openxmlformats.org/presentationml/2006/main">
+  <p:cSld>
+    <p:spTree>
+      <p:nvGrpSpPr>
+        <p:cNvPr id="1" name=""/>
+        <p:cNvGrpSpPr/>
+        <p:nvPr/>
+      </p:nvGrpSpPr>
+      <p:grpSpPr>
+        <a:xfrm>
+          <a:off x="0" y="0"/>
+          <a:ext cx="0" cy="0"/>
+          <a:chOff x="0" y="0"/>
+          <a:chExt cx="0" cy="0"/>
+        </a:xfrm>
+      </p:grpSpPr>
+      <p:sp>
+        <p:nvSpPr>
+          <p:cNvPr id="2" name="Title 1"/>
+          <p:cNvSpPr>
+            <a:spLocks noGrp="1"/>
+          </p:cNvSpPr>
+          <p:nvPr>
+            <p:ph type="title"/>
+          </p:nvPr>
+        </p:nvSpPr>
+        <p:spPr/>
+        <p:txBody>
+          <a:bodyPr/>
+          <a:lstStyle/>
+          <a:p>
+            <a:r>
+              <a:rPr lang="en-US" dirty="0"/>
+              <a:t>Why Use AWS</a:t>
+            </a:r>
+          </a:p>
+        </p:txBody>
+      </p:sp>
+      <p:pic>
+        <p:nvPicPr>
+          <p:cNvPr id="1026" name="Picture 2" descr="Gartner 2016 MQ hi-res graphic.jpg"/>
+          <p:cNvPicPr>
+            <a:picLocks noGrp="1" noChangeAspect="1" noChangeArrowheads="1"/>
+          </p:cNvPicPr>
+          <p:nvPr>
+            <p:ph idx="1"/>
+          </p:nvPr>
+        </p:nvPicPr>
+        <p:blipFill>
+          <a:blip r:embed="rId2">
+            <a:extLst>
+              <a:ext uri="{28A0092B-C50C-407E-A947-70E740481C1C}">
+                <a14:useLocalDpi xmlns:a14="http://schemas.microsoft.com/office/drawing/2010/main" val="0"/>
+              </a:ext>
+            </a:extLst>
+          </a:blip>
+          <a:srcRect/>
+          <a:stretch>
+            <a:fillRect/>
+          </a:stretch>
+        </p:blipFill>
+        <p:spPr bwMode="auto">
+          <a:xfrm>
+            <a:off x="4019105" y="1209056"/>
+            <a:ext cx="4635167" cy="4835560"/>
+          </a:xfrm>
+          <a:prstGeom prst="rect">
+            <a:avLst/>
+          </a:prstGeom>
+          <a:noFill/>
+          <a:extLst>
+            <a:ext uri="{909E8E84-426E-40DD-AFC4-6F175D3DCCD1}">
+              <a14:hiddenFill xmlns:a14="http://schemas.microsoft.com/office/drawing/2010/main">
+                <a:solidFill>
+                  <a:srgbClr val="FFFFFF"/>
+                </a:solidFill>
+              </a14:hiddenFill>
+            </a:ext>
+          </a:extLst>
+        </p:spPr>
+      </p:pic>
+      <p:sp>
+        <p:nvSpPr>
+          <p:cNvPr id="5" name="Rectangle 4"/>
+          <p:cNvSpPr/>
+          <p:nvPr/>
+        </p:nvSpPr>
+        <p:spPr>
+          <a:xfrm>
+            <a:off x="3818838" y="6366850"/>
+            <a:ext cx="4554324" cy="369332"/>
+          </a:xfrm>
+          <a:prstGeom prst="rect">
+            <a:avLst/>
+          </a:prstGeom>
+        </p:spPr>
+        <p:txBody>
+          <a:bodyPr wrap="none">
+            <a:spAutoFit/>
+          </a:bodyPr>
+          <a:lstStyle/>
+          <a:p>
+            <a:r>
+              <a:rPr lang="en-US" dirty="0"/>
+              <a:t>https://aws.amazon.com/solutions/case-studies/</a:t>
+            </a:r>
+            <a:endParaRPr lang="en-US" dirty="0"/>
+          </a:p>
+        </p:txBody>
+      </p:sp>
+      <p:sp>
+        <p:nvSpPr>
+          <p:cNvPr id="6" name="Rectangle 5"/>
+          <p:cNvSpPr/>
+          <p:nvPr/>
+        </p:nvSpPr>
+        <p:spPr>
+          <a:xfrm>
+            <a:off x="2622697" y="6044616"/>
+            <a:ext cx="8711609" cy="369332"/>
+          </a:xfrm>
+          <a:prstGeom prst="rect">
+            <a:avLst/>
+          </a:prstGeom>
+        </p:spPr>
+        <p:txBody>
+          <a:bodyPr wrap="square">
+            <a:spAutoFit/>
+          </a:bodyPr>
+          <a:lstStyle/>
+          <a:p>
+            <a:r>
+              <a:rPr lang="en-US" dirty="0"/>
+              <a:t>https://media.netflix.com/en/company-blog/completing-the-netflix-cloud-migration</a:t>
+            </a:r>
+            <a:endParaRPr lang="en-US" dirty="0"/>
+          </a:p>
+        </p:txBody>
+      </p:sp>
+    </p:spTree>
+    <p:extLst>
+      <p:ext uri="{BB962C8B-B14F-4D97-AF65-F5344CB8AC3E}">
+        <p14:creationId xmlns:p14="http://schemas.microsoft.com/office/powerpoint/2010/main" val="1679250761"/>
+      </p:ext>
+    </p:extLst>
+  </p:cSld>
+  <p:clrMapOvr>
+    <a:masterClrMapping/>
+  </p:clrMapOvr>
+</p:sld>
+</file>
+
+<file path=ppt/slides/slide7.xml><?xml version="1.0" encoding="utf-8"?>
+<p:sld xmlns:a="http://schemas.openxmlformats.org/drawingml/2006/main" xmlns:r="http://schemas.openxmlformats.org/officeDocument/2006/relationships" xmlns:p="http://schemas.openxmlformats.org/presentationml/2006/main">
+  <p:cSld>
+    <p:spTree>
+      <p:nvGrpSpPr>
+        <p:cNvPr id="1" name=""/>
+        <p:cNvGrpSpPr/>
+        <p:nvPr/>
+      </p:nvGrpSpPr>
+      <p:grpSpPr>
+        <a:xfrm>
+          <a:off x="0" y="0"/>
+          <a:ext cx="0" cy="0"/>
+          <a:chOff x="0" y="0"/>
+          <a:chExt cx="0" cy="0"/>
+        </a:xfrm>
+      </p:grpSpPr>
+      <p:sp>
+        <p:nvSpPr>
+          <p:cNvPr id="2" name="Title 1"/>
+          <p:cNvSpPr>
+            <a:spLocks noGrp="1"/>
+          </p:cNvSpPr>
+          <p:nvPr>
+            <p:ph type="title"/>
+          </p:nvPr>
+        </p:nvSpPr>
+        <p:spPr/>
+        <p:txBody>
+          <a:bodyPr/>
+          <a:lstStyle/>
+          <a:p>
+            <a:r>
+              <a:rPr lang="en-US" dirty="0"/>
+              <a:t>What is Elastic Beanstalk ?</a:t>
+            </a:r>
+          </a:p>
+        </p:txBody>
+      </p:sp>
+      <p:sp>
+        <p:nvSpPr>
+          <p:cNvPr id="3" name="Content Placeholder 2"/>
+          <p:cNvSpPr>
+            <a:spLocks noGrp="1"/>
+          </p:cNvSpPr>
+          <p:nvPr>
+            <p:ph idx="1"/>
+          </p:nvPr>
+        </p:nvSpPr>
+        <p:spPr/>
+        <p:txBody>
+          <a:bodyPr/>
+          <a:lstStyle/>
+          <a:p>
+            <a:r>
+              <a:rPr lang="en-US" dirty="0"/>
+              <a:t>AWS Elastic Beanstalk is an orchestration service offered from Amazon Web Services for deploying infrastructure which orchestrates various AWS services, including EC2, S3, Simple Notification Service, </a:t>
+            </a:r>
+            <a:r>
+              <a:rPr lang="en-US" dirty="0" err="1"/>
+              <a:t>CloudWatch</a:t>
+            </a:r>
+            <a:r>
+              <a:rPr lang="en-US" dirty="0"/>
+              <a:t>, </a:t>
+            </a:r>
+            <a:r>
+              <a:rPr lang="en-US" dirty="0" err="1"/>
+              <a:t>autoscaling</a:t>
+            </a:r>
+            <a:r>
+              <a:rPr lang="en-US" dirty="0"/>
+              <a:t>, and Elastic Load Balancers.</a:t>
+            </a:r>
+          </a:p>
+          <a:p>
+            <a:r>
+              <a:rPr lang="en-US" dirty="0"/>
+              <a:t>Elastic Beanstalk is a platform as a service such as Elastic Beanstalk provides runtime, middleware, OS, Virtualization, Servers,  Storage and Network and all you have to work about is your application and your data.</a:t>
+            </a:r>
+          </a:p>
+        </p:txBody>
+      </p:sp>
+    </p:spTree>
+    <p:extLst>
+      <p:ext uri="{BB962C8B-B14F-4D97-AF65-F5344CB8AC3E}">
+        <p14:creationId xmlns:p14="http://schemas.microsoft.com/office/powerpoint/2010/main" val="1007769289"/>
+      </p:ext>
+    </p:extLst>
+  </p:cSld>
+  <p:clrMapOvr>
+    <a:masterClrMapping/>
+  </p:clrMapOvr>
+</p:sld>
+</file>
+
+<file path=ppt/slides/slide8.xml><?xml version="1.0" encoding="utf-8"?>
+<p:sld xmlns:a="http://schemas.openxmlformats.org/drawingml/2006/main" xmlns:r="http://schemas.openxmlformats.org/officeDocument/2006/relationships" xmlns:p="http://schemas.openxmlformats.org/presentationml/2006/main">
+  <p:cSld>
+    <p:spTree>
+      <p:nvGrpSpPr>
+        <p:cNvPr id="1" name=""/>
+        <p:cNvGrpSpPr/>
+        <p:nvPr/>
+      </p:nvGrpSpPr>
+      <p:grpSpPr>
+        <a:xfrm>
+          <a:off x="0" y="0"/>
+          <a:ext cx="0" cy="0"/>
+          <a:chOff x="0" y="0"/>
+          <a:chExt cx="0" cy="0"/>
+        </a:xfrm>
+      </p:grpSpPr>
+      <p:sp>
+        <p:nvSpPr>
+          <p:cNvPr id="2" name="Title 1"/>
+          <p:cNvSpPr>
+            <a:spLocks noGrp="1"/>
+          </p:cNvSpPr>
+          <p:nvPr>
+            <p:ph type="title"/>
+          </p:nvPr>
+        </p:nvSpPr>
+        <p:spPr/>
+        <p:txBody>
+          <a:bodyPr/>
+          <a:lstStyle/>
+          <a:p>
+            <a:r>
+              <a:rPr lang="en-US" dirty="0"/>
               <a:t>WHAT DOES AWS ELASTIC BEANSTALK COST</a:t>
             </a:r>
           </a:p>
@@ -4969,7 +5781,7 @@
 </p:sld>
 </file>
 
-<file path=ppt/slides/slide6.xml><?xml version="1.0" encoding="utf-8"?>
+<file path=ppt/slides/slide9.xml><?xml version="1.0" encoding="utf-8"?>
 <p:sld xmlns:a="http://schemas.openxmlformats.org/drawingml/2006/main" xmlns:r="http://schemas.openxmlformats.org/officeDocument/2006/relationships" xmlns:p="http://schemas.openxmlformats.org/presentationml/2006/main">
   <p:cSld>
     <p:spTree>
@@ -5092,273 +5904,6 @@
     <p:extLst>
       <p:ext uri="{BB962C8B-B14F-4D97-AF65-F5344CB8AC3E}">
         <p14:creationId xmlns:p14="http://schemas.microsoft.com/office/powerpoint/2010/main" val="356961589"/>
-      </p:ext>
-    </p:extLst>
-  </p:cSld>
-  <p:clrMapOvr>
-    <a:masterClrMapping/>
-  </p:clrMapOvr>
-</p:sld>
-</file>
-
-<file path=ppt/slides/slide7.xml><?xml version="1.0" encoding="utf-8"?>
-<p:sld xmlns:a="http://schemas.openxmlformats.org/drawingml/2006/main" xmlns:r="http://schemas.openxmlformats.org/officeDocument/2006/relationships" xmlns:p="http://schemas.openxmlformats.org/presentationml/2006/main">
-  <p:cSld>
-    <p:spTree>
-      <p:nvGrpSpPr>
-        <p:cNvPr id="1" name=""/>
-        <p:cNvGrpSpPr/>
-        <p:nvPr/>
-      </p:nvGrpSpPr>
-      <p:grpSpPr>
-        <a:xfrm>
-          <a:off x="0" y="0"/>
-          <a:ext cx="0" cy="0"/>
-          <a:chOff x="0" y="0"/>
-          <a:chExt cx="0" cy="0"/>
-        </a:xfrm>
-      </p:grpSpPr>
-      <p:sp>
-        <p:nvSpPr>
-          <p:cNvPr id="2" name="Title 1"/>
-          <p:cNvSpPr>
-            <a:spLocks noGrp="1"/>
-          </p:cNvSpPr>
-          <p:nvPr>
-            <p:ph type="title"/>
-          </p:nvPr>
-        </p:nvSpPr>
-        <p:spPr/>
-        <p:txBody>
-          <a:bodyPr/>
-          <a:lstStyle/>
-          <a:p>
-            <a:r>
-              <a:rPr lang="en-US" dirty="0"/>
-              <a:t>Why developers should use elastic beanstalk</a:t>
-            </a:r>
-          </a:p>
-        </p:txBody>
-      </p:sp>
-      <p:sp>
-        <p:nvSpPr>
-          <p:cNvPr id="3" name="Content Placeholder 2"/>
-          <p:cNvSpPr>
-            <a:spLocks noGrp="1"/>
-          </p:cNvSpPr>
-          <p:nvPr>
-            <p:ph idx="1"/>
-          </p:nvPr>
-        </p:nvSpPr>
-        <p:spPr>
-          <a:xfrm>
-            <a:off x="581192" y="2180496"/>
-            <a:ext cx="11029615" cy="3486657"/>
-          </a:xfrm>
-        </p:spPr>
-        <p:txBody>
-          <a:bodyPr>
-            <a:normAutofit/>
-          </a:bodyPr>
-          <a:lstStyle/>
-          <a:p>
-            <a:r>
-              <a:rPr lang="en-US" dirty="0"/>
-              <a:t>Administrator access on your environment</a:t>
-            </a:r>
-          </a:p>
-          <a:p>
-            <a:r>
-              <a:rPr lang="en-US" dirty="0"/>
-              <a:t>Control everything in one place</a:t>
-            </a:r>
-          </a:p>
-          <a:p>
-            <a:r>
-              <a:rPr lang="en-US" dirty="0"/>
-              <a:t>Use any Database</a:t>
-            </a:r>
-          </a:p>
-          <a:p>
-            <a:r>
-              <a:rPr lang="en-US" dirty="0"/>
-              <a:t>Run services side by side with other EC2 instances</a:t>
-            </a:r>
-          </a:p>
-          <a:p>
-            <a:r>
-              <a:rPr lang="en-US" dirty="0"/>
-              <a:t>Ability to use Custom AMIs</a:t>
-            </a:r>
-          </a:p>
-          <a:p>
-            <a:r>
-              <a:rPr lang="en-US" dirty="0"/>
-              <a:t>Easy troubleshooting and log file rotation</a:t>
-            </a:r>
-          </a:p>
-        </p:txBody>
-      </p:sp>
-    </p:spTree>
-    <p:extLst>
-      <p:ext uri="{BB962C8B-B14F-4D97-AF65-F5344CB8AC3E}">
-        <p14:creationId xmlns:p14="http://schemas.microsoft.com/office/powerpoint/2010/main" val="554716683"/>
-      </p:ext>
-    </p:extLst>
-  </p:cSld>
-  <p:clrMapOvr>
-    <a:masterClrMapping/>
-  </p:clrMapOvr>
-</p:sld>
-</file>
-
-<file path=ppt/slides/slide8.xml><?xml version="1.0" encoding="utf-8"?>
-<p:sld xmlns:a="http://schemas.openxmlformats.org/drawingml/2006/main" xmlns:r="http://schemas.openxmlformats.org/officeDocument/2006/relationships" xmlns:p="http://schemas.openxmlformats.org/presentationml/2006/main">
-  <p:cSld>
-    <p:spTree>
-      <p:nvGrpSpPr>
-        <p:cNvPr id="1" name=""/>
-        <p:cNvGrpSpPr/>
-        <p:nvPr/>
-      </p:nvGrpSpPr>
-      <p:grpSpPr>
-        <a:xfrm>
-          <a:off x="0" y="0"/>
-          <a:ext cx="0" cy="0"/>
-          <a:chOff x="0" y="0"/>
-          <a:chExt cx="0" cy="0"/>
-        </a:xfrm>
-      </p:grpSpPr>
-      <p:sp>
-        <p:nvSpPr>
-          <p:cNvPr id="2" name="Title 1"/>
-          <p:cNvSpPr>
-            <a:spLocks noGrp="1"/>
-          </p:cNvSpPr>
-          <p:nvPr>
-            <p:ph type="title"/>
-          </p:nvPr>
-        </p:nvSpPr>
-        <p:spPr/>
-        <p:txBody>
-          <a:bodyPr/>
-          <a:lstStyle/>
-          <a:p>
-            <a:r>
-              <a:rPr lang="en-US" dirty="0"/>
-              <a:t> architecture</a:t>
-            </a:r>
-          </a:p>
-        </p:txBody>
-      </p:sp>
-      <p:pic>
-        <p:nvPicPr>
-          <p:cNvPr id="4" name="Content Placeholder 3"/>
-          <p:cNvPicPr>
-            <a:picLocks noGrp="1" noChangeAspect="1"/>
-          </p:cNvPicPr>
-          <p:nvPr>
-            <p:ph idx="1"/>
-          </p:nvPr>
-        </p:nvPicPr>
-        <p:blipFill>
-          <a:blip r:embed="rId2"/>
-          <a:stretch>
-            <a:fillRect/>
-          </a:stretch>
-        </p:blipFill>
-        <p:spPr>
-          <a:xfrm>
-            <a:off x="1592826" y="2315103"/>
-            <a:ext cx="7291541" cy="3632978"/>
-          </a:xfrm>
-          <a:prstGeom prst="rect">
-            <a:avLst/>
-          </a:prstGeom>
-        </p:spPr>
-      </p:pic>
-    </p:spTree>
-    <p:extLst>
-      <p:ext uri="{BB962C8B-B14F-4D97-AF65-F5344CB8AC3E}">
-        <p14:creationId xmlns:p14="http://schemas.microsoft.com/office/powerpoint/2010/main" val="4283834324"/>
-      </p:ext>
-    </p:extLst>
-  </p:cSld>
-  <p:clrMapOvr>
-    <a:masterClrMapping/>
-  </p:clrMapOvr>
-</p:sld>
-</file>
-
-<file path=ppt/slides/slide9.xml><?xml version="1.0" encoding="utf-8"?>
-<p:sld xmlns:a="http://schemas.openxmlformats.org/drawingml/2006/main" xmlns:r="http://schemas.openxmlformats.org/officeDocument/2006/relationships" xmlns:p="http://schemas.openxmlformats.org/presentationml/2006/main">
-  <p:cSld>
-    <p:spTree>
-      <p:nvGrpSpPr>
-        <p:cNvPr id="1" name=""/>
-        <p:cNvGrpSpPr/>
-        <p:nvPr/>
-      </p:nvGrpSpPr>
-      <p:grpSpPr>
-        <a:xfrm>
-          <a:off x="0" y="0"/>
-          <a:ext cx="0" cy="0"/>
-          <a:chOff x="0" y="0"/>
-          <a:chExt cx="0" cy="0"/>
-        </a:xfrm>
-      </p:grpSpPr>
-      <p:sp>
-        <p:nvSpPr>
-          <p:cNvPr id="2" name="Title 1"/>
-          <p:cNvSpPr>
-            <a:spLocks noGrp="1"/>
-          </p:cNvSpPr>
-          <p:nvPr>
-            <p:ph type="title"/>
-          </p:nvPr>
-        </p:nvSpPr>
-        <p:spPr/>
-        <p:txBody>
-          <a:bodyPr/>
-          <a:lstStyle/>
-          <a:p>
-            <a:r>
-              <a:rPr lang="en-US" dirty="0"/>
-              <a:t>architecture</a:t>
-            </a:r>
-          </a:p>
-        </p:txBody>
-      </p:sp>
-      <p:pic>
-        <p:nvPicPr>
-          <p:cNvPr id="4" name="Content Placeholder 3"/>
-          <p:cNvPicPr>
-            <a:picLocks noGrp="1" noChangeAspect="1"/>
-          </p:cNvPicPr>
-          <p:nvPr>
-            <p:ph idx="1"/>
-          </p:nvPr>
-        </p:nvPicPr>
-        <p:blipFill>
-          <a:blip r:embed="rId2"/>
-          <a:stretch>
-            <a:fillRect/>
-          </a:stretch>
-        </p:blipFill>
-        <p:spPr>
-          <a:xfrm>
-            <a:off x="2064775" y="2624289"/>
-            <a:ext cx="7523828" cy="3229926"/>
-          </a:xfrm>
-          <a:prstGeom prst="rect">
-            <a:avLst/>
-          </a:prstGeom>
-        </p:spPr>
-      </p:pic>
-    </p:spTree>
-    <p:extLst>
-      <p:ext uri="{BB962C8B-B14F-4D97-AF65-F5344CB8AC3E}">
-        <p14:creationId xmlns:p14="http://schemas.microsoft.com/office/powerpoint/2010/main" val="1174234667"/>
       </p:ext>
     </p:extLst>
   </p:cSld>
